--- a/Assignment 5/SVM Classification technique.pptx
+++ b/Assignment 5/SVM Classification technique.pptx
@@ -7,10 +7,14 @@
   <p:sldIdLst>
     <p:sldId id="256" r:id="rId2"/>
     <p:sldId id="257" r:id="rId3"/>
-    <p:sldId id="258" r:id="rId4"/>
-    <p:sldId id="259" r:id="rId5"/>
-    <p:sldId id="260" r:id="rId6"/>
-    <p:sldId id="261" r:id="rId7"/>
+    <p:sldId id="262" r:id="rId4"/>
+    <p:sldId id="263" r:id="rId5"/>
+    <p:sldId id="258" r:id="rId6"/>
+    <p:sldId id="259" r:id="rId7"/>
+    <p:sldId id="260" r:id="rId8"/>
+    <p:sldId id="264" r:id="rId9"/>
+    <p:sldId id="265" r:id="rId10"/>
+    <p:sldId id="261" r:id="rId11"/>
   </p:sldIdLst>
   <p:sldSz cx="12192000" cy="6858000"/>
   <p:notesSz cx="6858000" cy="9144000"/>
@@ -109,6 +113,11 @@
       </a:defRPr>
     </a:lvl9pPr>
   </p:defaultTextStyle>
+  <p:extLst>
+    <p:ext uri="{EFAFB233-063F-42B5-8137-9DF3F51BA10A}">
+      <p15:sldGuideLst xmlns:p15="http://schemas.microsoft.com/office/powerpoint/2012/main"/>
+    </p:ext>
+  </p:extLst>
 </p:presentation>
 </file>
 
@@ -259,7 +268,7 @@
           <a:p>
             <a:fld id="{4286AC13-7446-4C09-840A-80B9FD5C3AEE}" type="datetimeFigureOut">
               <a:rPr lang="en-US" smtClean="0"/>
-              <a:t>2/15/2023</a:t>
+              <a:t>2/22/2023</a:t>
             </a:fld>
             <a:endParaRPr lang="en-US"/>
           </a:p>
@@ -457,7 +466,7 @@
           <a:p>
             <a:fld id="{4286AC13-7446-4C09-840A-80B9FD5C3AEE}" type="datetimeFigureOut">
               <a:rPr lang="en-US" smtClean="0"/>
-              <a:t>2/15/2023</a:t>
+              <a:t>2/22/2023</a:t>
             </a:fld>
             <a:endParaRPr lang="en-US"/>
           </a:p>
@@ -665,7 +674,7 @@
           <a:p>
             <a:fld id="{4286AC13-7446-4C09-840A-80B9FD5C3AEE}" type="datetimeFigureOut">
               <a:rPr lang="en-US" smtClean="0"/>
-              <a:t>2/15/2023</a:t>
+              <a:t>2/22/2023</a:t>
             </a:fld>
             <a:endParaRPr lang="en-US"/>
           </a:p>
@@ -863,7 +872,7 @@
           <a:p>
             <a:fld id="{4286AC13-7446-4C09-840A-80B9FD5C3AEE}" type="datetimeFigureOut">
               <a:rPr lang="en-US" smtClean="0"/>
-              <a:t>2/15/2023</a:t>
+              <a:t>2/22/2023</a:t>
             </a:fld>
             <a:endParaRPr lang="en-US"/>
           </a:p>
@@ -1138,7 +1147,7 @@
           <a:p>
             <a:fld id="{4286AC13-7446-4C09-840A-80B9FD5C3AEE}" type="datetimeFigureOut">
               <a:rPr lang="en-US" smtClean="0"/>
-              <a:t>2/15/2023</a:t>
+              <a:t>2/22/2023</a:t>
             </a:fld>
             <a:endParaRPr lang="en-US"/>
           </a:p>
@@ -1403,7 +1412,7 @@
           <a:p>
             <a:fld id="{4286AC13-7446-4C09-840A-80B9FD5C3AEE}" type="datetimeFigureOut">
               <a:rPr lang="en-US" smtClean="0"/>
-              <a:t>2/15/2023</a:t>
+              <a:t>2/22/2023</a:t>
             </a:fld>
             <a:endParaRPr lang="en-US"/>
           </a:p>
@@ -1815,7 +1824,7 @@
           <a:p>
             <a:fld id="{4286AC13-7446-4C09-840A-80B9FD5C3AEE}" type="datetimeFigureOut">
               <a:rPr lang="en-US" smtClean="0"/>
-              <a:t>2/15/2023</a:t>
+              <a:t>2/22/2023</a:t>
             </a:fld>
             <a:endParaRPr lang="en-US"/>
           </a:p>
@@ -1956,7 +1965,7 @@
           <a:p>
             <a:fld id="{4286AC13-7446-4C09-840A-80B9FD5C3AEE}" type="datetimeFigureOut">
               <a:rPr lang="en-US" smtClean="0"/>
-              <a:t>2/15/2023</a:t>
+              <a:t>2/22/2023</a:t>
             </a:fld>
             <a:endParaRPr lang="en-US"/>
           </a:p>
@@ -2069,7 +2078,7 @@
           <a:p>
             <a:fld id="{4286AC13-7446-4C09-840A-80B9FD5C3AEE}" type="datetimeFigureOut">
               <a:rPr lang="en-US" smtClean="0"/>
-              <a:t>2/15/2023</a:t>
+              <a:t>2/22/2023</a:t>
             </a:fld>
             <a:endParaRPr lang="en-US"/>
           </a:p>
@@ -2380,7 +2389,7 @@
           <a:p>
             <a:fld id="{4286AC13-7446-4C09-840A-80B9FD5C3AEE}" type="datetimeFigureOut">
               <a:rPr lang="en-US" smtClean="0"/>
-              <a:t>2/15/2023</a:t>
+              <a:t>2/22/2023</a:t>
             </a:fld>
             <a:endParaRPr lang="en-US"/>
           </a:p>
@@ -2668,7 +2677,7 @@
           <a:p>
             <a:fld id="{4286AC13-7446-4C09-840A-80B9FD5C3AEE}" type="datetimeFigureOut">
               <a:rPr lang="en-US" smtClean="0"/>
-              <a:t>2/15/2023</a:t>
+              <a:t>2/22/2023</a:t>
             </a:fld>
             <a:endParaRPr lang="en-US"/>
           </a:p>
@@ -2909,7 +2918,7 @@
           <a:p>
             <a:fld id="{4286AC13-7446-4C09-840A-80B9FD5C3AEE}" type="datetimeFigureOut">
               <a:rPr lang="en-US" smtClean="0"/>
-              <a:t>2/15/2023</a:t>
+              <a:t>2/22/2023</a:t>
             </a:fld>
             <a:endParaRPr lang="en-US"/>
           </a:p>
@@ -3964,1845 +3973,7 @@
 </p:sld>
 </file>
 
-<file path=ppt/slides/slide2.xml><?xml version="1.0" encoding="utf-8"?>
-<p:sld xmlns:a="http://schemas.openxmlformats.org/drawingml/2006/main" xmlns:r="http://schemas.openxmlformats.org/officeDocument/2006/relationships" xmlns:p="http://schemas.openxmlformats.org/presentationml/2006/main">
-  <p:cSld>
-    <p:bg>
-      <p:bgPr>
-        <a:solidFill>
-          <a:schemeClr val="bg1"/>
-        </a:solidFill>
-        <a:effectLst/>
-      </p:bgPr>
-    </p:bg>
-    <p:spTree>
-      <p:nvGrpSpPr>
-        <p:cNvPr id="1" name=""/>
-        <p:cNvGrpSpPr/>
-        <p:nvPr/>
-      </p:nvGrpSpPr>
-      <p:grpSpPr>
-        <a:xfrm>
-          <a:off x="0" y="0"/>
-          <a:ext cx="0" cy="0"/>
-          <a:chOff x="0" y="0"/>
-          <a:chExt cx="0" cy="0"/>
-        </a:xfrm>
-      </p:grpSpPr>
-      <p:sp>
-        <p:nvSpPr>
-          <p:cNvPr id="8" name="Rectangle 7">
-            <a:extLst>
-              <a:ext uri="{FF2B5EF4-FFF2-40B4-BE49-F238E27FC236}">
-                <a16:creationId xmlns:a16="http://schemas.microsoft.com/office/drawing/2014/main" id="{6D6CDB20-394C-4D51-9C5B-8751E21338DC}"/>
-              </a:ext>
-              <a:ext uri="{C183D7F6-B498-43B3-948B-1728B52AA6E4}">
-                <adec:decorative xmlns:adec="http://schemas.microsoft.com/office/drawing/2017/decorative" val="1"/>
-              </a:ext>
-            </a:extLst>
-          </p:cNvPr>
-          <p:cNvSpPr>
-            <a:spLocks noGrp="1" noRot="1" noChangeAspect="1" noMove="1" noResize="1" noEditPoints="1" noAdjustHandles="1" noChangeArrowheads="1" noChangeShapeType="1" noTextEdit="1"/>
-          </p:cNvSpPr>
-          <p:nvPr>
-            <p:extLst>
-              <p:ext uri="{386F3935-93C4-4BCD-93E2-E3B085C9AB24}">
-                <p16:designElem xmlns:p16="http://schemas.microsoft.com/office/powerpoint/2015/main" val="1"/>
-              </p:ext>
-            </p:extLst>
-          </p:nvPr>
-        </p:nvSpPr>
-        <p:spPr>
-          <a:xfrm>
-            <a:off x="0" y="-3324"/>
-            <a:ext cx="12192000" cy="6861324"/>
-          </a:xfrm>
-          <a:prstGeom prst="rect">
-            <a:avLst/>
-          </a:prstGeom>
-          <a:solidFill>
-            <a:schemeClr val="tx1">
-              <a:alpha val="15000"/>
-            </a:schemeClr>
-          </a:solidFill>
-          <a:ln>
-            <a:noFill/>
-          </a:ln>
-        </p:spPr>
-        <p:style>
-          <a:lnRef idx="2">
-            <a:schemeClr val="accent1">
-              <a:shade val="50000"/>
-            </a:schemeClr>
-          </a:lnRef>
-          <a:fillRef idx="1">
-            <a:schemeClr val="accent1"/>
-          </a:fillRef>
-          <a:effectRef idx="0">
-            <a:schemeClr val="accent1"/>
-          </a:effectRef>
-          <a:fontRef idx="minor">
-            <a:schemeClr val="lt1"/>
-          </a:fontRef>
-        </p:style>
-        <p:txBody>
-          <a:bodyPr rot="0" spcFirstLastPara="0" vertOverflow="overflow" horzOverflow="overflow" vert="horz" wrap="square" lIns="91440" tIns="45720" rIns="91440" bIns="45720" numCol="1" spcCol="0" rtlCol="0" fromWordArt="0" anchor="ctr" anchorCtr="0" forceAA="0" compatLnSpc="1">
-            <a:prstTxWarp prst="textNoShape">
-              <a:avLst/>
-            </a:prstTxWarp>
-            <a:noAutofit/>
-          </a:bodyPr>
-          <a:lstStyle/>
-          <a:p>
-            <a:pPr algn="ctr"/>
-            <a:endParaRPr lang="en-US"/>
-          </a:p>
-        </p:txBody>
-      </p:sp>
-      <p:sp>
-        <p:nvSpPr>
-          <p:cNvPr id="10" name="Rounded Rectangle 3">
-            <a:extLst>
-              <a:ext uri="{FF2B5EF4-FFF2-40B4-BE49-F238E27FC236}">
-                <a16:creationId xmlns:a16="http://schemas.microsoft.com/office/drawing/2014/main" id="{46DFD1E0-DCA7-47E6-B78B-6ECDDF873DD6}"/>
-              </a:ext>
-              <a:ext uri="{C183D7F6-B498-43B3-948B-1728B52AA6E4}">
-                <adec:decorative xmlns:adec="http://schemas.microsoft.com/office/drawing/2017/decorative" val="1"/>
-              </a:ext>
-            </a:extLst>
-          </p:cNvPr>
-          <p:cNvSpPr>
-            <a:spLocks noGrp="1" noRot="1" noChangeAspect="1" noMove="1" noResize="1" noEditPoints="1" noAdjustHandles="1" noChangeArrowheads="1" noChangeShapeType="1" noTextEdit="1"/>
-          </p:cNvSpPr>
-          <p:nvPr>
-            <p:extLst>
-              <p:ext uri="{386F3935-93C4-4BCD-93E2-E3B085C9AB24}">
-                <p16:designElem xmlns:p16="http://schemas.microsoft.com/office/powerpoint/2015/main" val="1"/>
-              </p:ext>
-            </p:extLst>
-          </p:nvPr>
-        </p:nvSpPr>
-        <p:spPr>
-          <a:xfrm>
-            <a:off x="646745" y="640080"/>
-            <a:ext cx="10920415" cy="5577818"/>
-          </a:xfrm>
-          <a:prstGeom prst="roundRect">
-            <a:avLst>
-              <a:gd name="adj" fmla="val 0"/>
-            </a:avLst>
-          </a:prstGeom>
-          <a:solidFill>
-            <a:srgbClr val="FFFFFF"/>
-          </a:solidFill>
-          <a:ln w="9525">
-            <a:solidFill>
-              <a:schemeClr val="tx1">
-                <a:lumMod val="50000"/>
-                <a:lumOff val="50000"/>
-              </a:schemeClr>
-            </a:solidFill>
-          </a:ln>
-          <a:effectLst>
-            <a:outerShdw blurRad="57150" dist="19050" dir="5400000" algn="t" rotWithShape="0">
-              <a:prstClr val="black">
-                <a:alpha val="63000"/>
-              </a:prstClr>
-            </a:outerShdw>
-          </a:effectLst>
-        </p:spPr>
-        <p:style>
-          <a:lnRef idx="2">
-            <a:schemeClr val="accent1">
-              <a:shade val="50000"/>
-            </a:schemeClr>
-          </a:lnRef>
-          <a:fillRef idx="1">
-            <a:schemeClr val="accent1"/>
-          </a:fillRef>
-          <a:effectRef idx="0">
-            <a:schemeClr val="accent1"/>
-          </a:effectRef>
-          <a:fontRef idx="minor">
-            <a:schemeClr val="lt1"/>
-          </a:fontRef>
-        </p:style>
-        <p:txBody>
-          <a:bodyPr rtlCol="0" anchor="ctr"/>
-          <a:lstStyle/>
-          <a:p>
-            <a:pPr algn="ctr"/>
-            <a:endParaRPr lang="en-US"/>
-          </a:p>
-        </p:txBody>
-      </p:sp>
-      <p:sp>
-        <p:nvSpPr>
-          <p:cNvPr id="12" name="Rectangle 11">
-            <a:extLst>
-              <a:ext uri="{FF2B5EF4-FFF2-40B4-BE49-F238E27FC236}">
-                <a16:creationId xmlns:a16="http://schemas.microsoft.com/office/drawing/2014/main" id="{8AAB0B1E-BB97-40E0-8DCD-D1197A0E1D6A}"/>
-              </a:ext>
-              <a:ext uri="{C183D7F6-B498-43B3-948B-1728B52AA6E4}">
-                <adec:decorative xmlns:adec="http://schemas.microsoft.com/office/drawing/2017/decorative" val="1"/>
-              </a:ext>
-            </a:extLst>
-          </p:cNvPr>
-          <p:cNvSpPr>
-            <a:spLocks noGrp="1" noRot="1" noChangeAspect="1" noMove="1" noResize="1" noEditPoints="1" noAdjustHandles="1" noChangeArrowheads="1" noChangeShapeType="1" noTextEdit="1"/>
-          </p:cNvSpPr>
-          <p:nvPr>
-            <p:extLst>
-              <p:ext uri="{386F3935-93C4-4BCD-93E2-E3B085C9AB24}">
-                <p16:designElem xmlns:p16="http://schemas.microsoft.com/office/powerpoint/2015/main" val="1"/>
-              </p:ext>
-            </p:extLst>
-          </p:nvPr>
-        </p:nvSpPr>
-        <p:spPr>
-          <a:xfrm>
-            <a:off x="968024" y="960109"/>
-            <a:ext cx="10277856" cy="4937760"/>
-          </a:xfrm>
-          <a:prstGeom prst="rect">
-            <a:avLst/>
-          </a:prstGeom>
-          <a:solidFill>
-            <a:schemeClr val="bg2"/>
-          </a:solidFill>
-          <a:ln>
-            <a:noFill/>
-          </a:ln>
-        </p:spPr>
-        <p:style>
-          <a:lnRef idx="2">
-            <a:schemeClr val="accent1">
-              <a:shade val="50000"/>
-            </a:schemeClr>
-          </a:lnRef>
-          <a:fillRef idx="1">
-            <a:schemeClr val="accent1"/>
-          </a:fillRef>
-          <a:effectRef idx="0">
-            <a:schemeClr val="accent1"/>
-          </a:effectRef>
-          <a:fontRef idx="minor">
-            <a:schemeClr val="lt1"/>
-          </a:fontRef>
-        </p:style>
-        <p:txBody>
-          <a:bodyPr rtlCol="0" anchor="ctr"/>
-          <a:lstStyle/>
-          <a:p>
-            <a:pPr algn="ctr"/>
-            <a:endParaRPr lang="en-US" dirty="0"/>
-          </a:p>
-        </p:txBody>
-      </p:sp>
-      <p:sp>
-        <p:nvSpPr>
-          <p:cNvPr id="2" name="Title 1">
-            <a:extLst>
-              <a:ext uri="{FF2B5EF4-FFF2-40B4-BE49-F238E27FC236}">
-                <a16:creationId xmlns:a16="http://schemas.microsoft.com/office/drawing/2014/main" id="{86B354ED-5D57-4FBD-099D-6250C2B94A34}"/>
-              </a:ext>
-            </a:extLst>
-          </p:cNvPr>
-          <p:cNvSpPr>
-            <a:spLocks noGrp="1"/>
-          </p:cNvSpPr>
-          <p:nvPr>
-            <p:ph type="title"/>
-          </p:nvPr>
-        </p:nvSpPr>
-        <p:spPr>
-          <a:xfrm>
-            <a:off x="1288064" y="1369938"/>
-            <a:ext cx="4114800" cy="4114800"/>
-          </a:xfrm>
-        </p:spPr>
-        <p:txBody>
-          <a:bodyPr>
-            <a:normAutofit/>
-          </a:bodyPr>
-          <a:lstStyle/>
-          <a:p>
-            <a:pPr algn="r"/>
-            <a:r>
-              <a:rPr lang="en-US" sz="4800"/>
-              <a:t>SVM</a:t>
-            </a:r>
-          </a:p>
-        </p:txBody>
-      </p:sp>
-      <p:cxnSp>
-        <p:nvCxnSpPr>
-          <p:cNvPr id="14" name="Straight Connector 13">
-            <a:extLst>
-              <a:ext uri="{FF2B5EF4-FFF2-40B4-BE49-F238E27FC236}">
-                <a16:creationId xmlns:a16="http://schemas.microsoft.com/office/drawing/2014/main" id="{F492F8DF-EE34-4FC5-9FFE-76EB2E3BBA95}"/>
-              </a:ext>
-              <a:ext uri="{C183D7F6-B498-43B3-948B-1728B52AA6E4}">
-                <adec:decorative xmlns:adec="http://schemas.microsoft.com/office/drawing/2017/decorative" val="1"/>
-              </a:ext>
-            </a:extLst>
-          </p:cNvPr>
-          <p:cNvCxnSpPr>
-            <a:cxnSpLocks noGrp="1" noRot="1" noChangeAspect="1" noMove="1" noResize="1" noEditPoints="1" noAdjustHandles="1" noChangeArrowheads="1" noChangeShapeType="1"/>
-          </p:cNvCxnSpPr>
-          <p:nvPr>
-            <p:extLst>
-              <p:ext uri="{386F3935-93C4-4BCD-93E2-E3B085C9AB24}">
-                <p16:designElem xmlns:p16="http://schemas.microsoft.com/office/powerpoint/2015/main" val="1"/>
-              </p:ext>
-            </p:extLst>
-          </p:nvPr>
-        </p:nvCxnSpPr>
-        <p:spPr>
-          <a:xfrm rot="5400000">
-            <a:off x="4072564" y="3429000"/>
-            <a:ext cx="3200400" cy="0"/>
-          </a:xfrm>
-          <a:prstGeom prst="line">
-            <a:avLst/>
-          </a:prstGeom>
-          <a:ln w="19050">
-            <a:solidFill>
-              <a:schemeClr val="tx1">
-                <a:lumMod val="50000"/>
-                <a:lumOff val="50000"/>
-              </a:schemeClr>
-            </a:solidFill>
-          </a:ln>
-        </p:spPr>
-        <p:style>
-          <a:lnRef idx="1">
-            <a:schemeClr val="accent1"/>
-          </a:lnRef>
-          <a:fillRef idx="0">
-            <a:schemeClr val="accent1"/>
-          </a:fillRef>
-          <a:effectRef idx="0">
-            <a:schemeClr val="accent1"/>
-          </a:effectRef>
-          <a:fontRef idx="minor">
-            <a:schemeClr val="tx1"/>
-          </a:fontRef>
-        </p:style>
-      </p:cxnSp>
-      <p:sp>
-        <p:nvSpPr>
-          <p:cNvPr id="3" name="Content Placeholder 2">
-            <a:extLst>
-              <a:ext uri="{FF2B5EF4-FFF2-40B4-BE49-F238E27FC236}">
-                <a16:creationId xmlns:a16="http://schemas.microsoft.com/office/drawing/2014/main" id="{A6B20EF7-B1FC-36EB-43CC-13EFA8DCBC72}"/>
-              </a:ext>
-            </a:extLst>
-          </p:cNvPr>
-          <p:cNvSpPr>
-            <a:spLocks noGrp="1"/>
-          </p:cNvSpPr>
-          <p:nvPr>
-            <p:ph idx="1"/>
-          </p:nvPr>
-        </p:nvSpPr>
-        <p:spPr>
-          <a:xfrm>
-            <a:off x="5934456" y="1371600"/>
-            <a:ext cx="4969480" cy="4114800"/>
-          </a:xfrm>
-        </p:spPr>
-        <p:txBody>
-          <a:bodyPr anchor="ctr">
-            <a:normAutofit/>
-          </a:bodyPr>
-          <a:lstStyle/>
-          <a:p>
-            <a:r>
-              <a:rPr lang="en-US" sz="2200" b="0" i="0">
-                <a:effectLst/>
-                <a:latin typeface="Söhne"/>
-              </a:rPr>
-              <a:t>SVM works by finding the support vectors, which are the data points closest to the hyperplane. The support vectors are used to determine the position and orientation of the hyperplane. SVM also uses a kernel function to map the data into a higher-dimensional space, where it can be separated by a hyperplane.</a:t>
-            </a:r>
-            <a:endParaRPr lang="en-US" sz="2200"/>
-          </a:p>
-        </p:txBody>
-      </p:sp>
-    </p:spTree>
-    <p:extLst>
-      <p:ext uri="{BB962C8B-B14F-4D97-AF65-F5344CB8AC3E}">
-        <p14:creationId xmlns:p14="http://schemas.microsoft.com/office/powerpoint/2010/main" val="3924319336"/>
-      </p:ext>
-    </p:extLst>
-  </p:cSld>
-  <p:clrMapOvr>
-    <a:masterClrMapping/>
-  </p:clrMapOvr>
-</p:sld>
-</file>
-
-<file path=ppt/slides/slide3.xml><?xml version="1.0" encoding="utf-8"?>
-<p:sld xmlns:a="http://schemas.openxmlformats.org/drawingml/2006/main" xmlns:r="http://schemas.openxmlformats.org/officeDocument/2006/relationships" xmlns:p="http://schemas.openxmlformats.org/presentationml/2006/main">
-  <p:cSld>
-    <p:bg>
-      <p:bgPr>
-        <a:solidFill>
-          <a:schemeClr val="bg1"/>
-        </a:solidFill>
-        <a:effectLst/>
-      </p:bgPr>
-    </p:bg>
-    <p:spTree>
-      <p:nvGrpSpPr>
-        <p:cNvPr id="1" name=""/>
-        <p:cNvGrpSpPr/>
-        <p:nvPr/>
-      </p:nvGrpSpPr>
-      <p:grpSpPr>
-        <a:xfrm>
-          <a:off x="0" y="0"/>
-          <a:ext cx="0" cy="0"/>
-          <a:chOff x="0" y="0"/>
-          <a:chExt cx="0" cy="0"/>
-        </a:xfrm>
-      </p:grpSpPr>
-      <p:sp>
-        <p:nvSpPr>
-          <p:cNvPr id="2" name="Title 1">
-            <a:extLst>
-              <a:ext uri="{FF2B5EF4-FFF2-40B4-BE49-F238E27FC236}">
-                <a16:creationId xmlns:a16="http://schemas.microsoft.com/office/drawing/2014/main" id="{89F285D8-0B4D-E077-9552-FEF20997692E}"/>
-              </a:ext>
-            </a:extLst>
-          </p:cNvPr>
-          <p:cNvSpPr>
-            <a:spLocks noGrp="1"/>
-          </p:cNvSpPr>
-          <p:nvPr>
-            <p:ph type="title"/>
-          </p:nvPr>
-        </p:nvSpPr>
-        <p:spPr>
-          <a:xfrm>
-            <a:off x="990600" y="338328"/>
-            <a:ext cx="10210800" cy="1078992"/>
-          </a:xfrm>
-        </p:spPr>
-        <p:txBody>
-          <a:bodyPr vert="horz" lIns="91440" tIns="45720" rIns="91440" bIns="45720" rtlCol="0" anchor="b">
-            <a:normAutofit/>
-          </a:bodyPr>
-          <a:lstStyle/>
-          <a:p>
-            <a:pPr algn="ctr"/>
-            <a:endParaRPr lang="en-US" sz="5400"/>
-          </a:p>
-        </p:txBody>
-      </p:sp>
-      <p:sp>
-        <p:nvSpPr>
-          <p:cNvPr id="12" name="Rectangle 11">
-            <a:extLst>
-              <a:ext uri="{FF2B5EF4-FFF2-40B4-BE49-F238E27FC236}">
-                <a16:creationId xmlns:a16="http://schemas.microsoft.com/office/drawing/2014/main" id="{70BDD0CE-06A4-404B-8A13-580229C1C923}"/>
-              </a:ext>
-              <a:ext uri="{C183D7F6-B498-43B3-948B-1728B52AA6E4}">
-                <adec:decorative xmlns:adec="http://schemas.microsoft.com/office/drawing/2017/decorative" val="1"/>
-              </a:ext>
-            </a:extLst>
-          </p:cNvPr>
-          <p:cNvSpPr>
-            <a:spLocks noGrp="1" noRot="1" noChangeAspect="1" noMove="1" noResize="1" noEditPoints="1" noAdjustHandles="1" noChangeArrowheads="1" noChangeShapeType="1" noTextEdit="1"/>
-          </p:cNvSpPr>
-          <p:nvPr>
-            <p:extLst>
-              <p:ext uri="{386F3935-93C4-4BCD-93E2-E3B085C9AB24}">
-                <p16:designElem xmlns:p16="http://schemas.microsoft.com/office/powerpoint/2015/main" val="1"/>
-              </p:ext>
-            </p:extLst>
-          </p:nvPr>
-        </p:nvSpPr>
-        <p:spPr>
-          <a:xfrm>
-            <a:off x="0" y="2141750"/>
-            <a:ext cx="12192000" cy="4716250"/>
-          </a:xfrm>
-          <a:prstGeom prst="rect">
-            <a:avLst/>
-          </a:prstGeom>
-          <a:solidFill>
-            <a:srgbClr val="5E5E3F"/>
-          </a:solidFill>
-          <a:ln>
-            <a:noFill/>
-          </a:ln>
-        </p:spPr>
-        <p:style>
-          <a:lnRef idx="2">
-            <a:schemeClr val="accent1">
-              <a:shade val="50000"/>
-            </a:schemeClr>
-          </a:lnRef>
-          <a:fillRef idx="1">
-            <a:schemeClr val="accent1"/>
-          </a:fillRef>
-          <a:effectRef idx="0">
-            <a:schemeClr val="accent1"/>
-          </a:effectRef>
-          <a:fontRef idx="minor">
-            <a:schemeClr val="lt1"/>
-          </a:fontRef>
-        </p:style>
-        <p:txBody>
-          <a:bodyPr rtlCol="0" anchor="ctr"/>
-          <a:lstStyle/>
-          <a:p>
-            <a:pPr algn="ctr"/>
-            <a:endParaRPr lang="en-US"/>
-          </a:p>
-        </p:txBody>
-      </p:sp>
-      <p:sp>
-        <p:nvSpPr>
-          <p:cNvPr id="14" name="Rounded Rectangle 26">
-            <a:extLst>
-              <a:ext uri="{FF2B5EF4-FFF2-40B4-BE49-F238E27FC236}">
-                <a16:creationId xmlns:a16="http://schemas.microsoft.com/office/drawing/2014/main" id="{EE9899FA-8881-472C-AA59-D08A89CA8AEF}"/>
-              </a:ext>
-              <a:ext uri="{C183D7F6-B498-43B3-948B-1728B52AA6E4}">
-                <adec:decorative xmlns:adec="http://schemas.microsoft.com/office/drawing/2017/decorative" val="1"/>
-              </a:ext>
-            </a:extLst>
-          </p:cNvPr>
-          <p:cNvSpPr>
-            <a:spLocks noGrp="1" noRot="1" noChangeAspect="1" noMove="1" noResize="1" noEditPoints="1" noAdjustHandles="1" noChangeArrowheads="1" noChangeShapeType="1" noTextEdit="1"/>
-          </p:cNvSpPr>
-          <p:nvPr>
-            <p:extLst>
-              <p:ext uri="{386F3935-93C4-4BCD-93E2-E3B085C9AB24}">
-                <p16:designElem xmlns:p16="http://schemas.microsoft.com/office/powerpoint/2015/main" val="1"/>
-              </p:ext>
-            </p:extLst>
-          </p:nvPr>
-        </p:nvSpPr>
-        <p:spPr>
-          <a:xfrm>
-            <a:off x="321564" y="2423160"/>
-            <a:ext cx="5613569" cy="3930315"/>
-          </a:xfrm>
-          <a:prstGeom prst="roundRect">
-            <a:avLst>
-              <a:gd name="adj" fmla="val 0"/>
-            </a:avLst>
-          </a:prstGeom>
-          <a:solidFill>
-            <a:srgbClr val="FFFFFF"/>
-          </a:solidFill>
-          <a:ln w="9525">
-            <a:solidFill>
-              <a:srgbClr val="C8CACA"/>
-            </a:solidFill>
-          </a:ln>
-          <a:effectLst>
-            <a:outerShdw blurRad="57150" dist="19050" dir="5400000" algn="t" rotWithShape="0">
-              <a:prstClr val="black">
-                <a:alpha val="63000"/>
-              </a:prstClr>
-            </a:outerShdw>
-          </a:effectLst>
-        </p:spPr>
-        <p:style>
-          <a:lnRef idx="2">
-            <a:schemeClr val="accent1">
-              <a:shade val="50000"/>
-            </a:schemeClr>
-          </a:lnRef>
-          <a:fillRef idx="1">
-            <a:schemeClr val="accent1"/>
-          </a:fillRef>
-          <a:effectRef idx="0">
-            <a:schemeClr val="accent1"/>
-          </a:effectRef>
-          <a:fontRef idx="minor">
-            <a:schemeClr val="lt1"/>
-          </a:fontRef>
-        </p:style>
-        <p:txBody>
-          <a:bodyPr rtlCol="0" anchor="ctr"/>
-          <a:lstStyle/>
-          <a:p>
-            <a:pPr algn="ctr"/>
-            <a:endParaRPr lang="en-US"/>
-          </a:p>
-        </p:txBody>
-      </p:sp>
-      <p:pic>
-        <p:nvPicPr>
-          <p:cNvPr id="7" name="Picture 6">
-            <a:extLst>
-              <a:ext uri="{FF2B5EF4-FFF2-40B4-BE49-F238E27FC236}">
-                <a16:creationId xmlns:a16="http://schemas.microsoft.com/office/drawing/2014/main" id="{93261C5B-472D-A447-3FEF-7CC873BDEBA8}"/>
-              </a:ext>
-            </a:extLst>
-          </p:cNvPr>
-          <p:cNvPicPr>
-            <a:picLocks noChangeAspect="1"/>
-          </p:cNvPicPr>
-          <p:nvPr/>
-        </p:nvPicPr>
-        <p:blipFill>
-          <a:blip r:embed="rId2"/>
-          <a:stretch>
-            <a:fillRect/>
-          </a:stretch>
-        </p:blipFill>
-        <p:spPr>
-          <a:xfrm>
-            <a:off x="871631" y="2742397"/>
-            <a:ext cx="4509369" cy="3291840"/>
-          </a:xfrm>
-          <a:prstGeom prst="rect">
-            <a:avLst/>
-          </a:prstGeom>
-        </p:spPr>
-      </p:pic>
-      <p:sp>
-        <p:nvSpPr>
-          <p:cNvPr id="16" name="Rounded Rectangle 16">
-            <a:extLst>
-              <a:ext uri="{FF2B5EF4-FFF2-40B4-BE49-F238E27FC236}">
-                <a16:creationId xmlns:a16="http://schemas.microsoft.com/office/drawing/2014/main" id="{080B7D90-3DF1-4514-B26D-616BE35553C9}"/>
-              </a:ext>
-              <a:ext uri="{C183D7F6-B498-43B3-948B-1728B52AA6E4}">
-                <adec:decorative xmlns:adec="http://schemas.microsoft.com/office/drawing/2017/decorative" val="1"/>
-              </a:ext>
-            </a:extLst>
-          </p:cNvPr>
-          <p:cNvSpPr>
-            <a:spLocks noGrp="1" noRot="1" noChangeAspect="1" noMove="1" noResize="1" noEditPoints="1" noAdjustHandles="1" noChangeArrowheads="1" noChangeShapeType="1" noTextEdit="1"/>
-          </p:cNvSpPr>
-          <p:nvPr>
-            <p:extLst>
-              <p:ext uri="{386F3935-93C4-4BCD-93E2-E3B085C9AB24}">
-                <p16:designElem xmlns:p16="http://schemas.microsoft.com/office/powerpoint/2015/main" val="1"/>
-              </p:ext>
-            </p:extLst>
-          </p:nvPr>
-        </p:nvSpPr>
-        <p:spPr>
-          <a:xfrm>
-            <a:off x="6254749" y="2423160"/>
-            <a:ext cx="5613569" cy="3930315"/>
-          </a:xfrm>
-          <a:prstGeom prst="roundRect">
-            <a:avLst>
-              <a:gd name="adj" fmla="val 0"/>
-            </a:avLst>
-          </a:prstGeom>
-          <a:solidFill>
-            <a:srgbClr val="FFFFFF"/>
-          </a:solidFill>
-          <a:ln w="9525">
-            <a:solidFill>
-              <a:srgbClr val="C8CACA"/>
-            </a:solidFill>
-          </a:ln>
-          <a:effectLst>
-            <a:outerShdw blurRad="57150" dist="19050" dir="5400000" algn="t" rotWithShape="0">
-              <a:prstClr val="black">
-                <a:alpha val="63000"/>
-              </a:prstClr>
-            </a:outerShdw>
-          </a:effectLst>
-        </p:spPr>
-        <p:style>
-          <a:lnRef idx="2">
-            <a:schemeClr val="accent1">
-              <a:shade val="50000"/>
-            </a:schemeClr>
-          </a:lnRef>
-          <a:fillRef idx="1">
-            <a:schemeClr val="accent1"/>
-          </a:fillRef>
-          <a:effectRef idx="0">
-            <a:schemeClr val="accent1"/>
-          </a:effectRef>
-          <a:fontRef idx="minor">
-            <a:schemeClr val="lt1"/>
-          </a:fontRef>
-        </p:style>
-        <p:txBody>
-          <a:bodyPr rtlCol="0" anchor="ctr"/>
-          <a:lstStyle/>
-          <a:p>
-            <a:pPr algn="ctr"/>
-            <a:endParaRPr lang="en-US"/>
-          </a:p>
-        </p:txBody>
-      </p:sp>
-      <p:pic>
-        <p:nvPicPr>
-          <p:cNvPr id="5" name="Content Placeholder 4">
-            <a:extLst>
-              <a:ext uri="{FF2B5EF4-FFF2-40B4-BE49-F238E27FC236}">
-                <a16:creationId xmlns:a16="http://schemas.microsoft.com/office/drawing/2014/main" id="{04FFC5A2-76AB-1FD8-2F3C-02B17950031B}"/>
-              </a:ext>
-            </a:extLst>
-          </p:cNvPr>
-          <p:cNvPicPr>
-            <a:picLocks noGrp="1" noChangeAspect="1"/>
-          </p:cNvPicPr>
-          <p:nvPr>
-            <p:ph idx="1"/>
-          </p:nvPr>
-        </p:nvPicPr>
-        <p:blipFill>
-          <a:blip r:embed="rId3"/>
-          <a:stretch>
-            <a:fillRect/>
-          </a:stretch>
-        </p:blipFill>
-        <p:spPr>
-          <a:xfrm>
-            <a:off x="6578516" y="3762641"/>
-            <a:ext cx="4974336" cy="1256020"/>
-          </a:xfrm>
-          <a:prstGeom prst="rect">
-            <a:avLst/>
-          </a:prstGeom>
-        </p:spPr>
-      </p:pic>
-    </p:spTree>
-    <p:extLst>
-      <p:ext uri="{BB962C8B-B14F-4D97-AF65-F5344CB8AC3E}">
-        <p14:creationId xmlns:p14="http://schemas.microsoft.com/office/powerpoint/2010/main" val="3187941690"/>
-      </p:ext>
-    </p:extLst>
-  </p:cSld>
-  <p:clrMapOvr>
-    <a:masterClrMapping/>
-  </p:clrMapOvr>
-</p:sld>
-</file>
-
-<file path=ppt/slides/slide4.xml><?xml version="1.0" encoding="utf-8"?>
-<p:sld xmlns:a="http://schemas.openxmlformats.org/drawingml/2006/main" xmlns:r="http://schemas.openxmlformats.org/officeDocument/2006/relationships" xmlns:p="http://schemas.openxmlformats.org/presentationml/2006/main">
-  <p:cSld>
-    <p:bg>
-      <p:bgPr>
-        <a:solidFill>
-          <a:schemeClr val="bg1"/>
-        </a:solidFill>
-        <a:effectLst/>
-      </p:bgPr>
-    </p:bg>
-    <p:spTree>
-      <p:nvGrpSpPr>
-        <p:cNvPr id="1" name=""/>
-        <p:cNvGrpSpPr/>
-        <p:nvPr/>
-      </p:nvGrpSpPr>
-      <p:grpSpPr>
-        <a:xfrm>
-          <a:off x="0" y="0"/>
-          <a:ext cx="0" cy="0"/>
-          <a:chOff x="0" y="0"/>
-          <a:chExt cx="0" cy="0"/>
-        </a:xfrm>
-      </p:grpSpPr>
-      <p:sp>
-        <p:nvSpPr>
-          <p:cNvPr id="12" name="Freeform: Shape 11">
-            <a:extLst>
-              <a:ext uri="{FF2B5EF4-FFF2-40B4-BE49-F238E27FC236}">
-                <a16:creationId xmlns:a16="http://schemas.microsoft.com/office/drawing/2014/main" id="{D052D0E8-5725-42F1-BA8A-2E793289AB6A}"/>
-              </a:ext>
-              <a:ext uri="{C183D7F6-B498-43B3-948B-1728B52AA6E4}">
-                <adec:decorative xmlns:adec="http://schemas.microsoft.com/office/drawing/2017/decorative" val="1"/>
-              </a:ext>
-            </a:extLst>
-          </p:cNvPr>
-          <p:cNvSpPr>
-            <a:spLocks noGrp="1" noRot="1" noChangeAspect="1" noMove="1" noResize="1" noEditPoints="1" noAdjustHandles="1" noChangeArrowheads="1" noChangeShapeType="1" noTextEdit="1"/>
-          </p:cNvSpPr>
-          <p:nvPr>
-            <p:extLst>
-              <p:ext uri="{386F3935-93C4-4BCD-93E2-E3B085C9AB24}">
-                <p16:designElem xmlns:p16="http://schemas.microsoft.com/office/powerpoint/2015/main" val="1"/>
-              </p:ext>
-            </p:extLst>
-          </p:nvPr>
-        </p:nvSpPr>
-        <p:spPr>
-          <a:xfrm>
-            <a:off x="0" y="-2"/>
-            <a:ext cx="6693455" cy="1511306"/>
-          </a:xfrm>
-          <a:custGeom>
-            <a:avLst/>
-            <a:gdLst>
-              <a:gd name="connsiteX0" fmla="*/ 2147981 w 6693455"/>
-              <a:gd name="connsiteY0" fmla="*/ 0 h 1511306"/>
-              <a:gd name="connsiteX1" fmla="*/ 6693455 w 6693455"/>
-              <a:gd name="connsiteY1" fmla="*/ 0 h 1511306"/>
-              <a:gd name="connsiteX2" fmla="*/ 5995838 w 6693455"/>
-              <a:gd name="connsiteY2" fmla="*/ 1511301 h 1511306"/>
-              <a:gd name="connsiteX3" fmla="*/ 2147982 w 6693455"/>
-              <a:gd name="connsiteY3" fmla="*/ 1511301 h 1511306"/>
-              <a:gd name="connsiteX4" fmla="*/ 2147982 w 6693455"/>
-              <a:gd name="connsiteY4" fmla="*/ 1511304 h 1511306"/>
-              <a:gd name="connsiteX5" fmla="*/ 680261 w 6693455"/>
-              <a:gd name="connsiteY5" fmla="*/ 1511304 h 1511306"/>
-              <a:gd name="connsiteX6" fmla="*/ 680261 w 6693455"/>
-              <a:gd name="connsiteY6" fmla="*/ 1511306 h 1511306"/>
-              <a:gd name="connsiteX7" fmla="*/ 0 w 6693455"/>
-              <a:gd name="connsiteY7" fmla="*/ 1511306 h 1511306"/>
-              <a:gd name="connsiteX8" fmla="*/ 0 w 6693455"/>
-              <a:gd name="connsiteY8" fmla="*/ 2 h 1511306"/>
-              <a:gd name="connsiteX9" fmla="*/ 680261 w 6693455"/>
-              <a:gd name="connsiteY9" fmla="*/ 2 h 1511306"/>
-              <a:gd name="connsiteX10" fmla="*/ 680261 w 6693455"/>
-              <a:gd name="connsiteY10" fmla="*/ 2544 h 1511306"/>
-              <a:gd name="connsiteX11" fmla="*/ 2147981 w 6693455"/>
-              <a:gd name="connsiteY11" fmla="*/ 2544 h 1511306"/>
-            </a:gdLst>
-            <a:ahLst/>
-            <a:cxnLst>
-              <a:cxn ang="0">
-                <a:pos x="connsiteX0" y="connsiteY0"/>
-              </a:cxn>
-              <a:cxn ang="0">
-                <a:pos x="connsiteX1" y="connsiteY1"/>
-              </a:cxn>
-              <a:cxn ang="0">
-                <a:pos x="connsiteX2" y="connsiteY2"/>
-              </a:cxn>
-              <a:cxn ang="0">
-                <a:pos x="connsiteX3" y="connsiteY3"/>
-              </a:cxn>
-              <a:cxn ang="0">
-                <a:pos x="connsiteX4" y="connsiteY4"/>
-              </a:cxn>
-              <a:cxn ang="0">
-                <a:pos x="connsiteX5" y="connsiteY5"/>
-              </a:cxn>
-              <a:cxn ang="0">
-                <a:pos x="connsiteX6" y="connsiteY6"/>
-              </a:cxn>
-              <a:cxn ang="0">
-                <a:pos x="connsiteX7" y="connsiteY7"/>
-              </a:cxn>
-              <a:cxn ang="0">
-                <a:pos x="connsiteX8" y="connsiteY8"/>
-              </a:cxn>
-              <a:cxn ang="0">
-                <a:pos x="connsiteX9" y="connsiteY9"/>
-              </a:cxn>
-              <a:cxn ang="0">
-                <a:pos x="connsiteX10" y="connsiteY10"/>
-              </a:cxn>
-              <a:cxn ang="0">
-                <a:pos x="connsiteX11" y="connsiteY11"/>
-              </a:cxn>
-            </a:cxnLst>
-            <a:rect l="l" t="t" r="r" b="b"/>
-            <a:pathLst>
-              <a:path w="6693455" h="1511306">
-                <a:moveTo>
-                  <a:pt x="2147981" y="0"/>
-                </a:moveTo>
-                <a:lnTo>
-                  <a:pt x="6693455" y="0"/>
-                </a:lnTo>
-                <a:lnTo>
-                  <a:pt x="5995838" y="1511301"/>
-                </a:lnTo>
-                <a:lnTo>
-                  <a:pt x="2147982" y="1511301"/>
-                </a:lnTo>
-                <a:lnTo>
-                  <a:pt x="2147982" y="1511304"/>
-                </a:lnTo>
-                <a:lnTo>
-                  <a:pt x="680261" y="1511304"/>
-                </a:lnTo>
-                <a:lnTo>
-                  <a:pt x="680261" y="1511306"/>
-                </a:lnTo>
-                <a:lnTo>
-                  <a:pt x="0" y="1511306"/>
-                </a:lnTo>
-                <a:lnTo>
-                  <a:pt x="0" y="2"/>
-                </a:lnTo>
-                <a:lnTo>
-                  <a:pt x="680261" y="2"/>
-                </a:lnTo>
-                <a:lnTo>
-                  <a:pt x="680261" y="2544"/>
-                </a:lnTo>
-                <a:lnTo>
-                  <a:pt x="2147981" y="2544"/>
-                </a:lnTo>
-                <a:close/>
-              </a:path>
-            </a:pathLst>
-          </a:custGeom>
-          <a:solidFill>
-            <a:schemeClr val="bg1">
-              <a:lumMod val="85000"/>
-            </a:schemeClr>
-          </a:solidFill>
-          <a:ln>
-            <a:noFill/>
-          </a:ln>
-        </p:spPr>
-        <p:style>
-          <a:lnRef idx="2">
-            <a:schemeClr val="accent1">
-              <a:shade val="50000"/>
-            </a:schemeClr>
-          </a:lnRef>
-          <a:fillRef idx="1">
-            <a:schemeClr val="accent1"/>
-          </a:fillRef>
-          <a:effectRef idx="0">
-            <a:schemeClr val="accent1"/>
-          </a:effectRef>
-          <a:fontRef idx="minor">
-            <a:schemeClr val="lt1"/>
-          </a:fontRef>
-        </p:style>
-        <p:txBody>
-          <a:bodyPr rtlCol="0" anchor="ctr"/>
-          <a:lstStyle/>
-          <a:p>
-            <a:pPr algn="ctr"/>
-            <a:endParaRPr lang="en-US">
-              <a:solidFill>
-                <a:schemeClr val="tx1">
-                  <a:lumMod val="85000"/>
-                </a:schemeClr>
-              </a:solidFill>
-            </a:endParaRPr>
-          </a:p>
-        </p:txBody>
-      </p:sp>
-      <p:sp>
-        <p:nvSpPr>
-          <p:cNvPr id="2" name="Title 1">
-            <a:extLst>
-              <a:ext uri="{FF2B5EF4-FFF2-40B4-BE49-F238E27FC236}">
-                <a16:creationId xmlns:a16="http://schemas.microsoft.com/office/drawing/2014/main" id="{3760EA8B-F575-D108-B465-2452FD6FF945}"/>
-              </a:ext>
-            </a:extLst>
-          </p:cNvPr>
-          <p:cNvSpPr>
-            <a:spLocks noGrp="1"/>
-          </p:cNvSpPr>
-          <p:nvPr>
-            <p:ph type="title"/>
-          </p:nvPr>
-        </p:nvSpPr>
-        <p:spPr>
-          <a:xfrm>
-            <a:off x="838200" y="365125"/>
-            <a:ext cx="5000812" cy="1143000"/>
-          </a:xfrm>
-        </p:spPr>
-        <p:txBody>
-          <a:bodyPr>
-            <a:normAutofit/>
-          </a:bodyPr>
-          <a:lstStyle/>
-          <a:p>
-            <a:endParaRPr lang="en-US"/>
-          </a:p>
-        </p:txBody>
-      </p:sp>
-      <p:sp>
-        <p:nvSpPr>
-          <p:cNvPr id="14" name="Freeform: Shape 13">
-            <a:extLst>
-              <a:ext uri="{FF2B5EF4-FFF2-40B4-BE49-F238E27FC236}">
-                <a16:creationId xmlns:a16="http://schemas.microsoft.com/office/drawing/2014/main" id="{31C81BFC-A665-4DFF-AFE8-B85ACB3E04B0}"/>
-              </a:ext>
-              <a:ext uri="{C183D7F6-B498-43B3-948B-1728B52AA6E4}">
-                <adec:decorative xmlns:adec="http://schemas.microsoft.com/office/drawing/2017/decorative" val="1"/>
-              </a:ext>
-            </a:extLst>
-          </p:cNvPr>
-          <p:cNvSpPr>
-            <a:spLocks noGrp="1" noRot="1" noChangeAspect="1" noMove="1" noResize="1" noEditPoints="1" noAdjustHandles="1" noChangeArrowheads="1" noChangeShapeType="1" noTextEdit="1"/>
-          </p:cNvSpPr>
-          <p:nvPr>
-            <p:extLst>
-              <p:ext uri="{386F3935-93C4-4BCD-93E2-E3B085C9AB24}">
-                <p16:designElem xmlns:p16="http://schemas.microsoft.com/office/powerpoint/2015/main" val="1"/>
-              </p:ext>
-            </p:extLst>
-          </p:nvPr>
-        </p:nvSpPr>
-        <p:spPr>
-          <a:xfrm>
-            <a:off x="1" y="1691640"/>
-            <a:ext cx="5931454" cy="5166360"/>
-          </a:xfrm>
-          <a:custGeom>
-            <a:avLst/>
-            <a:gdLst>
-              <a:gd name="connsiteX0" fmla="*/ 0 w 5931454"/>
-              <a:gd name="connsiteY0" fmla="*/ 0 h 5166360"/>
-              <a:gd name="connsiteX1" fmla="*/ 5931454 w 5931454"/>
-              <a:gd name="connsiteY1" fmla="*/ 0 h 5166360"/>
-              <a:gd name="connsiteX2" fmla="*/ 3537575 w 5931454"/>
-              <a:gd name="connsiteY2" fmla="*/ 5166360 h 5166360"/>
-              <a:gd name="connsiteX3" fmla="*/ 0 w 5931454"/>
-              <a:gd name="connsiteY3" fmla="*/ 5166360 h 5166360"/>
-            </a:gdLst>
-            <a:ahLst/>
-            <a:cxnLst>
-              <a:cxn ang="0">
-                <a:pos x="connsiteX0" y="connsiteY0"/>
-              </a:cxn>
-              <a:cxn ang="0">
-                <a:pos x="connsiteX1" y="connsiteY1"/>
-              </a:cxn>
-              <a:cxn ang="0">
-                <a:pos x="connsiteX2" y="connsiteY2"/>
-              </a:cxn>
-              <a:cxn ang="0">
-                <a:pos x="connsiteX3" y="connsiteY3"/>
-              </a:cxn>
-            </a:cxnLst>
-            <a:rect l="l" t="t" r="r" b="b"/>
-            <a:pathLst>
-              <a:path w="5931454" h="5166360">
-                <a:moveTo>
-                  <a:pt x="0" y="0"/>
-                </a:moveTo>
-                <a:lnTo>
-                  <a:pt x="5931454" y="0"/>
-                </a:lnTo>
-                <a:lnTo>
-                  <a:pt x="3537575" y="5166360"/>
-                </a:lnTo>
-                <a:lnTo>
-                  <a:pt x="0" y="5166360"/>
-                </a:lnTo>
-                <a:close/>
-              </a:path>
-            </a:pathLst>
-          </a:custGeom>
-          <a:solidFill>
-            <a:srgbClr val="303030"/>
-          </a:solidFill>
-          <a:ln>
-            <a:noFill/>
-          </a:ln>
-        </p:spPr>
-        <p:style>
-          <a:lnRef idx="2">
-            <a:schemeClr val="accent1">
-              <a:shade val="50000"/>
-            </a:schemeClr>
-          </a:lnRef>
-          <a:fillRef idx="1">
-            <a:schemeClr val="accent1"/>
-          </a:fillRef>
-          <a:effectRef idx="0">
-            <a:schemeClr val="accent1"/>
-          </a:effectRef>
-          <a:fontRef idx="minor">
-            <a:schemeClr val="lt1"/>
-          </a:fontRef>
-        </p:style>
-        <p:txBody>
-          <a:bodyPr wrap="square" rtlCol="0" anchor="ctr">
-            <a:noAutofit/>
-          </a:bodyPr>
-          <a:lstStyle/>
-          <a:p>
-            <a:pPr algn="ctr"/>
-            <a:endParaRPr lang="en-US"/>
-          </a:p>
-        </p:txBody>
-      </p:sp>
-      <p:sp>
-        <p:nvSpPr>
-          <p:cNvPr id="3" name="Content Placeholder 2">
-            <a:extLst>
-              <a:ext uri="{FF2B5EF4-FFF2-40B4-BE49-F238E27FC236}">
-                <a16:creationId xmlns:a16="http://schemas.microsoft.com/office/drawing/2014/main" id="{D2AEFB22-81A6-EBA9-9B4D-C7EA74FF3BCC}"/>
-              </a:ext>
-            </a:extLst>
-          </p:cNvPr>
-          <p:cNvSpPr>
-            <a:spLocks noGrp="1"/>
-          </p:cNvSpPr>
-          <p:nvPr>
-            <p:ph idx="1"/>
-          </p:nvPr>
-        </p:nvSpPr>
-        <p:spPr>
-          <a:xfrm>
-            <a:off x="838200" y="2176272"/>
-            <a:ext cx="3339353" cy="3639312"/>
-          </a:xfrm>
-        </p:spPr>
-        <p:txBody>
-          <a:bodyPr anchor="ctr">
-            <a:normAutofit/>
-          </a:bodyPr>
-          <a:lstStyle/>
-          <a:p>
-            <a:endParaRPr lang="en-US" sz="2000">
-              <a:solidFill>
-                <a:srgbClr val="FFFFFF"/>
-              </a:solidFill>
-            </a:endParaRPr>
-          </a:p>
-        </p:txBody>
-      </p:sp>
-      <p:pic>
-        <p:nvPicPr>
-          <p:cNvPr id="5" name="Picture 4">
-            <a:extLst>
-              <a:ext uri="{FF2B5EF4-FFF2-40B4-BE49-F238E27FC236}">
-                <a16:creationId xmlns:a16="http://schemas.microsoft.com/office/drawing/2014/main" id="{70BBC19A-A15F-5382-7362-8438D61B996E}"/>
-              </a:ext>
-            </a:extLst>
-          </p:cNvPr>
-          <p:cNvPicPr>
-            <a:picLocks noChangeAspect="1"/>
-          </p:cNvPicPr>
-          <p:nvPr/>
-        </p:nvPicPr>
-        <p:blipFill>
-          <a:blip r:embed="rId2"/>
-          <a:stretch>
-            <a:fillRect/>
-          </a:stretch>
-        </p:blipFill>
-        <p:spPr>
-          <a:xfrm>
-            <a:off x="7226437" y="912192"/>
-            <a:ext cx="4495300" cy="1966694"/>
-          </a:xfrm>
-          <a:custGeom>
-            <a:avLst/>
-            <a:gdLst/>
-            <a:ahLst/>
-            <a:cxnLst/>
-            <a:rect l="l" t="t" r="r" b="b"/>
-            <a:pathLst>
-              <a:path w="4636009" h="5032375">
-                <a:moveTo>
-                  <a:pt x="0" y="0"/>
-                </a:moveTo>
-                <a:lnTo>
-                  <a:pt x="4636009" y="0"/>
-                </a:lnTo>
-                <a:lnTo>
-                  <a:pt x="4636009" y="5032375"/>
-                </a:lnTo>
-                <a:lnTo>
-                  <a:pt x="0" y="5032375"/>
-                </a:lnTo>
-                <a:close/>
-              </a:path>
-            </a:pathLst>
-          </a:custGeom>
-        </p:spPr>
-      </p:pic>
-      <p:pic>
-        <p:nvPicPr>
-          <p:cNvPr id="7" name="Picture 6">
-            <a:extLst>
-              <a:ext uri="{FF2B5EF4-FFF2-40B4-BE49-F238E27FC236}">
-                <a16:creationId xmlns:a16="http://schemas.microsoft.com/office/drawing/2014/main" id="{2A51C450-AE66-C52E-5A84-12FE32899B28}"/>
-              </a:ext>
-            </a:extLst>
-          </p:cNvPr>
-          <p:cNvPicPr>
-            <a:picLocks noChangeAspect="1"/>
-          </p:cNvPicPr>
-          <p:nvPr/>
-        </p:nvPicPr>
-        <p:blipFill>
-          <a:blip r:embed="rId3"/>
-          <a:stretch>
-            <a:fillRect/>
-          </a:stretch>
-        </p:blipFill>
-        <p:spPr>
-          <a:xfrm>
-            <a:off x="6132111" y="3446170"/>
-            <a:ext cx="5589626" cy="2305720"/>
-          </a:xfrm>
-          <a:custGeom>
-            <a:avLst/>
-            <a:gdLst/>
-            <a:ahLst/>
-            <a:cxnLst/>
-            <a:rect l="l" t="t" r="r" b="b"/>
-            <a:pathLst>
-              <a:path w="4636009" h="5032375">
-                <a:moveTo>
-                  <a:pt x="0" y="0"/>
-                </a:moveTo>
-                <a:lnTo>
-                  <a:pt x="4636009" y="0"/>
-                </a:lnTo>
-                <a:lnTo>
-                  <a:pt x="4636009" y="5032375"/>
-                </a:lnTo>
-                <a:lnTo>
-                  <a:pt x="0" y="5032375"/>
-                </a:lnTo>
-                <a:close/>
-              </a:path>
-            </a:pathLst>
-          </a:custGeom>
-        </p:spPr>
-      </p:pic>
-    </p:spTree>
-    <p:extLst>
-      <p:ext uri="{BB962C8B-B14F-4D97-AF65-F5344CB8AC3E}">
-        <p14:creationId xmlns:p14="http://schemas.microsoft.com/office/powerpoint/2010/main" val="2305195767"/>
-      </p:ext>
-    </p:extLst>
-  </p:cSld>
-  <p:clrMapOvr>
-    <a:masterClrMapping/>
-  </p:clrMapOvr>
-</p:sld>
-</file>
-
-<file path=ppt/slides/slide5.xml><?xml version="1.0" encoding="utf-8"?>
-<p:sld xmlns:a="http://schemas.openxmlformats.org/drawingml/2006/main" xmlns:r="http://schemas.openxmlformats.org/officeDocument/2006/relationships" xmlns:p="http://schemas.openxmlformats.org/presentationml/2006/main">
-  <p:cSld>
-    <p:bg>
-      <p:bgPr>
-        <a:solidFill>
-          <a:schemeClr val="bg1"/>
-        </a:solidFill>
-        <a:effectLst/>
-      </p:bgPr>
-    </p:bg>
-    <p:spTree>
-      <p:nvGrpSpPr>
-        <p:cNvPr id="1" name=""/>
-        <p:cNvGrpSpPr/>
-        <p:nvPr/>
-      </p:nvGrpSpPr>
-      <p:grpSpPr>
-        <a:xfrm>
-          <a:off x="0" y="0"/>
-          <a:ext cx="0" cy="0"/>
-          <a:chOff x="0" y="0"/>
-          <a:chExt cx="0" cy="0"/>
-        </a:xfrm>
-      </p:grpSpPr>
-      <p:sp>
-        <p:nvSpPr>
-          <p:cNvPr id="10" name="Rectangle 9">
-            <a:extLst>
-              <a:ext uri="{FF2B5EF4-FFF2-40B4-BE49-F238E27FC236}">
-                <a16:creationId xmlns:a16="http://schemas.microsoft.com/office/drawing/2014/main" id="{F3060C83-F051-4F0E-ABAD-AA0DFC48B218}"/>
-              </a:ext>
-              <a:ext uri="{C183D7F6-B498-43B3-948B-1728B52AA6E4}">
-                <adec:decorative xmlns:adec="http://schemas.microsoft.com/office/drawing/2017/decorative" val="1"/>
-              </a:ext>
-            </a:extLst>
-          </p:cNvPr>
-          <p:cNvSpPr>
-            <a:spLocks noGrp="1" noRot="1" noChangeAspect="1" noMove="1" noResize="1" noEditPoints="1" noAdjustHandles="1" noChangeArrowheads="1" noChangeShapeType="1" noTextEdit="1"/>
-          </p:cNvSpPr>
-          <p:nvPr>
-            <p:extLst>
-              <p:ext uri="{386F3935-93C4-4BCD-93E2-E3B085C9AB24}">
-                <p16:designElem xmlns:p16="http://schemas.microsoft.com/office/powerpoint/2015/main" val="1"/>
-              </p:ext>
-            </p:extLst>
-          </p:nvPr>
-        </p:nvSpPr>
-        <p:spPr>
-          <a:xfrm>
-            <a:off x="0" y="0"/>
-            <a:ext cx="12192000" cy="6858000"/>
-          </a:xfrm>
-          <a:prstGeom prst="rect">
-            <a:avLst/>
-          </a:prstGeom>
-          <a:solidFill>
-            <a:schemeClr val="bg1"/>
-          </a:solidFill>
-          <a:ln>
-            <a:noFill/>
-          </a:ln>
-        </p:spPr>
-        <p:style>
-          <a:lnRef idx="2">
-            <a:schemeClr val="accent1">
-              <a:shade val="50000"/>
-            </a:schemeClr>
-          </a:lnRef>
-          <a:fillRef idx="1">
-            <a:schemeClr val="accent1"/>
-          </a:fillRef>
-          <a:effectRef idx="0">
-            <a:schemeClr val="accent1"/>
-          </a:effectRef>
-          <a:fontRef idx="minor">
-            <a:schemeClr val="lt1"/>
-          </a:fontRef>
-        </p:style>
-        <p:txBody>
-          <a:bodyPr rtlCol="0" anchor="ctr"/>
-          <a:lstStyle/>
-          <a:p>
-            <a:pPr algn="ctr"/>
-            <a:endParaRPr lang="en-US" dirty="0"/>
-          </a:p>
-        </p:txBody>
-      </p:sp>
-      <p:sp>
-        <p:nvSpPr>
-          <p:cNvPr id="12" name="Freeform: Shape 11">
-            <a:extLst>
-              <a:ext uri="{FF2B5EF4-FFF2-40B4-BE49-F238E27FC236}">
-                <a16:creationId xmlns:a16="http://schemas.microsoft.com/office/drawing/2014/main" id="{83C98ABE-055B-441F-B07E-44F97F083C39}"/>
-              </a:ext>
-              <a:ext uri="{C183D7F6-B498-43B3-948B-1728B52AA6E4}">
-                <adec:decorative xmlns:adec="http://schemas.microsoft.com/office/drawing/2017/decorative" val="1"/>
-              </a:ext>
-            </a:extLst>
-          </p:cNvPr>
-          <p:cNvSpPr>
-            <a:spLocks noGrp="1" noRot="1" noChangeAspect="1" noMove="1" noResize="1" noEditPoints="1" noAdjustHandles="1" noChangeArrowheads="1" noChangeShapeType="1" noTextEdit="1"/>
-          </p:cNvSpPr>
-          <p:nvPr>
-            <p:extLst>
-              <p:ext uri="{386F3935-93C4-4BCD-93E2-E3B085C9AB24}">
-                <p16:designElem xmlns:p16="http://schemas.microsoft.com/office/powerpoint/2015/main" val="1"/>
-              </p:ext>
-            </p:extLst>
-          </p:nvPr>
-        </p:nvSpPr>
-        <p:spPr>
-          <a:xfrm rot="18900000" flipH="1">
-            <a:off x="-376156" y="-253670"/>
-            <a:ext cx="1827638" cy="1376989"/>
-          </a:xfrm>
-          <a:custGeom>
-            <a:avLst/>
-            <a:gdLst>
-              <a:gd name="connsiteX0" fmla="*/ 0 w 1827638"/>
-              <a:gd name="connsiteY0" fmla="*/ 987379 h 1376989"/>
-              <a:gd name="connsiteX1" fmla="*/ 987379 w 1827638"/>
-              <a:gd name="connsiteY1" fmla="*/ 0 h 1376989"/>
-              <a:gd name="connsiteX2" fmla="*/ 1827638 w 1827638"/>
-              <a:gd name="connsiteY2" fmla="*/ 840260 h 1376989"/>
-              <a:gd name="connsiteX3" fmla="*/ 1827638 w 1827638"/>
-              <a:gd name="connsiteY3" fmla="*/ 1376989 h 1376989"/>
-              <a:gd name="connsiteX4" fmla="*/ 0 w 1827638"/>
-              <a:gd name="connsiteY4" fmla="*/ 1376989 h 1376989"/>
-            </a:gdLst>
-            <a:ahLst/>
-            <a:cxnLst>
-              <a:cxn ang="0">
-                <a:pos x="connsiteX0" y="connsiteY0"/>
-              </a:cxn>
-              <a:cxn ang="0">
-                <a:pos x="connsiteX1" y="connsiteY1"/>
-              </a:cxn>
-              <a:cxn ang="0">
-                <a:pos x="connsiteX2" y="connsiteY2"/>
-              </a:cxn>
-              <a:cxn ang="0">
-                <a:pos x="connsiteX3" y="connsiteY3"/>
-              </a:cxn>
-              <a:cxn ang="0">
-                <a:pos x="connsiteX4" y="connsiteY4"/>
-              </a:cxn>
-            </a:cxnLst>
-            <a:rect l="l" t="t" r="r" b="b"/>
-            <a:pathLst>
-              <a:path w="1827638" h="1376989">
-                <a:moveTo>
-                  <a:pt x="0" y="987379"/>
-                </a:moveTo>
-                <a:lnTo>
-                  <a:pt x="987379" y="0"/>
-                </a:lnTo>
-                <a:lnTo>
-                  <a:pt x="1827638" y="840260"/>
-                </a:lnTo>
-                <a:lnTo>
-                  <a:pt x="1827638" y="1376989"/>
-                </a:lnTo>
-                <a:lnTo>
-                  <a:pt x="0" y="1376989"/>
-                </a:lnTo>
-                <a:close/>
-              </a:path>
-            </a:pathLst>
-          </a:custGeom>
-          <a:solidFill>
-            <a:schemeClr val="accent1">
-              <a:alpha val="30000"/>
-            </a:schemeClr>
-          </a:solidFill>
-          <a:ln>
-            <a:noFill/>
-          </a:ln>
-        </p:spPr>
-        <p:style>
-          <a:lnRef idx="2">
-            <a:schemeClr val="accent1">
-              <a:shade val="50000"/>
-            </a:schemeClr>
-          </a:lnRef>
-          <a:fillRef idx="1">
-            <a:schemeClr val="accent1"/>
-          </a:fillRef>
-          <a:effectRef idx="0">
-            <a:schemeClr val="accent1"/>
-          </a:effectRef>
-          <a:fontRef idx="minor">
-            <a:schemeClr val="lt1"/>
-          </a:fontRef>
-        </p:style>
-        <p:txBody>
-          <a:bodyPr rtlCol="0" anchor="ctr"/>
-          <a:lstStyle/>
-          <a:p>
-            <a:pPr algn="ctr"/>
-            <a:endParaRPr lang="en-US" dirty="0"/>
-          </a:p>
-        </p:txBody>
-      </p:sp>
-      <p:sp>
-        <p:nvSpPr>
-          <p:cNvPr id="14" name="Rectangle 13">
-            <a:extLst>
-              <a:ext uri="{FF2B5EF4-FFF2-40B4-BE49-F238E27FC236}">
-                <a16:creationId xmlns:a16="http://schemas.microsoft.com/office/drawing/2014/main" id="{29FDB030-9B49-4CED-8CCD-4D99382388AC}"/>
-              </a:ext>
-              <a:ext uri="{C183D7F6-B498-43B3-948B-1728B52AA6E4}">
-                <adec:decorative xmlns:adec="http://schemas.microsoft.com/office/drawing/2017/decorative" val="1"/>
-              </a:ext>
-            </a:extLst>
-          </p:cNvPr>
-          <p:cNvSpPr>
-            <a:spLocks noGrp="1" noRot="1" noChangeAspect="1" noMove="1" noResize="1" noEditPoints="1" noAdjustHandles="1" noChangeArrowheads="1" noChangeShapeType="1" noTextEdit="1"/>
-          </p:cNvSpPr>
-          <p:nvPr>
-            <p:extLst>
-              <p:ext uri="{386F3935-93C4-4BCD-93E2-E3B085C9AB24}">
-                <p16:designElem xmlns:p16="http://schemas.microsoft.com/office/powerpoint/2015/main" val="1"/>
-              </p:ext>
-            </p:extLst>
-          </p:nvPr>
-        </p:nvSpPr>
-        <p:spPr>
-          <a:xfrm rot="18900000" flipH="1">
-            <a:off x="891641" y="422146"/>
-            <a:ext cx="645368" cy="645368"/>
-          </a:xfrm>
-          <a:prstGeom prst="rect">
-            <a:avLst/>
-          </a:prstGeom>
-          <a:solidFill>
-            <a:schemeClr val="accent1">
-              <a:alpha val="30000"/>
-            </a:schemeClr>
-          </a:solidFill>
-          <a:ln>
-            <a:noFill/>
-          </a:ln>
-        </p:spPr>
-        <p:style>
-          <a:lnRef idx="2">
-            <a:schemeClr val="accent1">
-              <a:shade val="50000"/>
-            </a:schemeClr>
-          </a:lnRef>
-          <a:fillRef idx="1">
-            <a:schemeClr val="accent1"/>
-          </a:fillRef>
-          <a:effectRef idx="0">
-            <a:schemeClr val="accent1"/>
-          </a:effectRef>
-          <a:fontRef idx="minor">
-            <a:schemeClr val="lt1"/>
-          </a:fontRef>
-        </p:style>
-        <p:txBody>
-          <a:bodyPr rtlCol="0" anchor="ctr"/>
-          <a:lstStyle/>
-          <a:p>
-            <a:pPr algn="ctr"/>
-            <a:endParaRPr lang="en-US"/>
-          </a:p>
-        </p:txBody>
-      </p:sp>
-      <p:sp>
-        <p:nvSpPr>
-          <p:cNvPr id="16" name="Rectangle 15">
-            <a:extLst>
-              <a:ext uri="{FF2B5EF4-FFF2-40B4-BE49-F238E27FC236}">
-                <a16:creationId xmlns:a16="http://schemas.microsoft.com/office/drawing/2014/main" id="{3783CA14-24A1-485C-8B30-D6A5D87987AD}"/>
-              </a:ext>
-              <a:ext uri="{C183D7F6-B498-43B3-948B-1728B52AA6E4}">
-                <adec:decorative xmlns:adec="http://schemas.microsoft.com/office/drawing/2017/decorative" val="1"/>
-              </a:ext>
-            </a:extLst>
-          </p:cNvPr>
-          <p:cNvSpPr>
-            <a:spLocks noGrp="1" noRot="1" noChangeAspect="1" noMove="1" noResize="1" noEditPoints="1" noAdjustHandles="1" noChangeArrowheads="1" noChangeShapeType="1" noTextEdit="1"/>
-          </p:cNvSpPr>
-          <p:nvPr>
-            <p:extLst>
-              <p:ext uri="{386F3935-93C4-4BCD-93E2-E3B085C9AB24}">
-                <p16:designElem xmlns:p16="http://schemas.microsoft.com/office/powerpoint/2015/main" val="1"/>
-              </p:ext>
-            </p:extLst>
-          </p:nvPr>
-        </p:nvSpPr>
-        <p:spPr>
-          <a:xfrm rot="18900000" flipH="1">
-            <a:off x="10043482" y="655140"/>
-            <a:ext cx="687472" cy="687472"/>
-          </a:xfrm>
-          <a:prstGeom prst="rect">
-            <a:avLst/>
-          </a:prstGeom>
-          <a:solidFill>
-            <a:schemeClr val="accent4">
-              <a:alpha val="30000"/>
-            </a:schemeClr>
-          </a:solidFill>
-          <a:ln>
-            <a:noFill/>
-          </a:ln>
-        </p:spPr>
-        <p:style>
-          <a:lnRef idx="2">
-            <a:schemeClr val="accent1">
-              <a:shade val="50000"/>
-            </a:schemeClr>
-          </a:lnRef>
-          <a:fillRef idx="1">
-            <a:schemeClr val="accent1"/>
-          </a:fillRef>
-          <a:effectRef idx="0">
-            <a:schemeClr val="accent1"/>
-          </a:effectRef>
-          <a:fontRef idx="minor">
-            <a:schemeClr val="lt1"/>
-          </a:fontRef>
-        </p:style>
-        <p:txBody>
-          <a:bodyPr rtlCol="0" anchor="ctr"/>
-          <a:lstStyle/>
-          <a:p>
-            <a:pPr algn="ctr"/>
-            <a:endParaRPr lang="en-US"/>
-          </a:p>
-        </p:txBody>
-      </p:sp>
-      <p:sp>
-        <p:nvSpPr>
-          <p:cNvPr id="18" name="Freeform: Shape 17">
-            <a:extLst>
-              <a:ext uri="{FF2B5EF4-FFF2-40B4-BE49-F238E27FC236}">
-                <a16:creationId xmlns:a16="http://schemas.microsoft.com/office/drawing/2014/main" id="{9A97C86A-04D6-40F7-AE84-31AB43E6A846}"/>
-              </a:ext>
-              <a:ext uri="{C183D7F6-B498-43B3-948B-1728B52AA6E4}">
-                <adec:decorative xmlns:adec="http://schemas.microsoft.com/office/drawing/2017/decorative" val="1"/>
-              </a:ext>
-            </a:extLst>
-          </p:cNvPr>
-          <p:cNvSpPr>
-            <a:spLocks noGrp="1" noRot="1" noChangeAspect="1" noMove="1" noResize="1" noEditPoints="1" noAdjustHandles="1" noChangeArrowheads="1" noChangeShapeType="1" noTextEdit="1"/>
-          </p:cNvSpPr>
-          <p:nvPr>
-            <p:extLst>
-              <p:ext uri="{386F3935-93C4-4BCD-93E2-E3B085C9AB24}">
-                <p16:designElem xmlns:p16="http://schemas.microsoft.com/office/powerpoint/2015/main" val="1"/>
-              </p:ext>
-            </p:extLst>
-          </p:nvPr>
-        </p:nvSpPr>
-        <p:spPr>
-          <a:xfrm rot="10800000" flipH="1">
-            <a:off x="9356643" y="0"/>
-            <a:ext cx="2835357" cy="1480837"/>
-          </a:xfrm>
-          <a:custGeom>
-            <a:avLst/>
-            <a:gdLst>
-              <a:gd name="connsiteX0" fmla="*/ 2835357 w 2835357"/>
-              <a:gd name="connsiteY0" fmla="*/ 1480837 h 1480837"/>
-              <a:gd name="connsiteX1" fmla="*/ 0 w 2835357"/>
-              <a:gd name="connsiteY1" fmla="*/ 1480837 h 1480837"/>
-              <a:gd name="connsiteX2" fmla="*/ 1552727 w 2835357"/>
-              <a:gd name="connsiteY2" fmla="*/ 0 h 1480837"/>
-              <a:gd name="connsiteX3" fmla="*/ 2835357 w 2835357"/>
-              <a:gd name="connsiteY3" fmla="*/ 1223245 h 1480837"/>
-            </a:gdLst>
-            <a:ahLst/>
-            <a:cxnLst>
-              <a:cxn ang="0">
-                <a:pos x="connsiteX0" y="connsiteY0"/>
-              </a:cxn>
-              <a:cxn ang="0">
-                <a:pos x="connsiteX1" y="connsiteY1"/>
-              </a:cxn>
-              <a:cxn ang="0">
-                <a:pos x="connsiteX2" y="connsiteY2"/>
-              </a:cxn>
-              <a:cxn ang="0">
-                <a:pos x="connsiteX3" y="connsiteY3"/>
-              </a:cxn>
-            </a:cxnLst>
-            <a:rect l="l" t="t" r="r" b="b"/>
-            <a:pathLst>
-              <a:path w="2835357" h="1480837">
-                <a:moveTo>
-                  <a:pt x="2835357" y="1480837"/>
-                </a:moveTo>
-                <a:lnTo>
-                  <a:pt x="0" y="1480837"/>
-                </a:lnTo>
-                <a:lnTo>
-                  <a:pt x="1552727" y="0"/>
-                </a:lnTo>
-                <a:lnTo>
-                  <a:pt x="2835357" y="1223245"/>
-                </a:lnTo>
-                <a:close/>
-              </a:path>
-            </a:pathLst>
-          </a:custGeom>
-          <a:solidFill>
-            <a:schemeClr val="accent4">
-              <a:alpha val="30000"/>
-            </a:schemeClr>
-          </a:solidFill>
-          <a:ln>
-            <a:noFill/>
-          </a:ln>
-        </p:spPr>
-        <p:style>
-          <a:lnRef idx="2">
-            <a:schemeClr val="accent1">
-              <a:shade val="50000"/>
-            </a:schemeClr>
-          </a:lnRef>
-          <a:fillRef idx="1">
-            <a:schemeClr val="accent1"/>
-          </a:fillRef>
-          <a:effectRef idx="0">
-            <a:schemeClr val="accent1"/>
-          </a:effectRef>
-          <a:fontRef idx="minor">
-            <a:schemeClr val="lt1"/>
-          </a:fontRef>
-        </p:style>
-        <p:txBody>
-          <a:bodyPr wrap="square" rtlCol="0" anchor="ctr">
-            <a:noAutofit/>
-          </a:bodyPr>
-          <a:lstStyle/>
-          <a:p>
-            <a:pPr algn="ctr"/>
-            <a:endParaRPr lang="en-US" dirty="0"/>
-          </a:p>
-        </p:txBody>
-      </p:sp>
-      <p:sp>
-        <p:nvSpPr>
-          <p:cNvPr id="20" name="Isosceles Triangle 19">
-            <a:extLst>
-              <a:ext uri="{FF2B5EF4-FFF2-40B4-BE49-F238E27FC236}">
-                <a16:creationId xmlns:a16="http://schemas.microsoft.com/office/drawing/2014/main" id="{FF9F2414-84E8-453E-B1F3-389FDE8192D9}"/>
-              </a:ext>
-              <a:ext uri="{C183D7F6-B498-43B3-948B-1728B52AA6E4}">
-                <adec:decorative xmlns:adec="http://schemas.microsoft.com/office/drawing/2017/decorative" val="1"/>
-              </a:ext>
-            </a:extLst>
-          </p:cNvPr>
-          <p:cNvSpPr>
-            <a:spLocks noGrp="1" noRot="1" noChangeAspect="1" noMove="1" noResize="1" noEditPoints="1" noAdjustHandles="1" noChangeArrowheads="1" noChangeShapeType="1" noTextEdit="1"/>
-          </p:cNvSpPr>
-          <p:nvPr>
-            <p:extLst>
-              <p:ext uri="{386F3935-93C4-4BCD-93E2-E3B085C9AB24}">
-                <p16:designElem xmlns:p16="http://schemas.microsoft.com/office/powerpoint/2015/main" val="1"/>
-              </p:ext>
-            </p:extLst>
-          </p:nvPr>
-        </p:nvSpPr>
-        <p:spPr>
-          <a:xfrm flipH="1">
-            <a:off x="7976344" y="6115501"/>
-            <a:ext cx="1494513" cy="742499"/>
-          </a:xfrm>
-          <a:prstGeom prst="triangle">
-            <a:avLst/>
-          </a:prstGeom>
-          <a:solidFill>
-            <a:schemeClr val="accent1">
-              <a:alpha val="30000"/>
-            </a:schemeClr>
-          </a:solidFill>
-          <a:ln>
-            <a:noFill/>
-          </a:ln>
-        </p:spPr>
-        <p:style>
-          <a:lnRef idx="2">
-            <a:schemeClr val="accent1">
-              <a:shade val="50000"/>
-            </a:schemeClr>
-          </a:lnRef>
-          <a:fillRef idx="1">
-            <a:schemeClr val="accent1"/>
-          </a:fillRef>
-          <a:effectRef idx="0">
-            <a:schemeClr val="accent1"/>
-          </a:effectRef>
-          <a:fontRef idx="minor">
-            <a:schemeClr val="lt1"/>
-          </a:fontRef>
-        </p:style>
-        <p:txBody>
-          <a:bodyPr rtlCol="0" anchor="ctr"/>
-          <a:lstStyle/>
-          <a:p>
-            <a:pPr algn="ctr"/>
-            <a:endParaRPr lang="en-US"/>
-          </a:p>
-        </p:txBody>
-      </p:sp>
-      <p:pic>
-        <p:nvPicPr>
-          <p:cNvPr id="5" name="Content Placeholder 4">
-            <a:extLst>
-              <a:ext uri="{FF2B5EF4-FFF2-40B4-BE49-F238E27FC236}">
-                <a16:creationId xmlns:a16="http://schemas.microsoft.com/office/drawing/2014/main" id="{E72D7436-68AF-E855-BC9B-AE50BEF7F2D1}"/>
-              </a:ext>
-            </a:extLst>
-          </p:cNvPr>
-          <p:cNvPicPr>
-            <a:picLocks noGrp="1" noChangeAspect="1"/>
-          </p:cNvPicPr>
-          <p:nvPr>
-            <p:ph idx="1"/>
-          </p:nvPr>
-        </p:nvPicPr>
-        <p:blipFill>
-          <a:blip r:embed="rId2"/>
-          <a:stretch>
-            <a:fillRect/>
-          </a:stretch>
-        </p:blipFill>
-        <p:spPr>
-          <a:xfrm>
-            <a:off x="643467" y="1765976"/>
-            <a:ext cx="10905066" cy="3326046"/>
-          </a:xfrm>
-          <a:prstGeom prst="rect">
-            <a:avLst/>
-          </a:prstGeom>
-          <a:ln>
-            <a:noFill/>
-          </a:ln>
-        </p:spPr>
-      </p:pic>
-      <p:sp>
-        <p:nvSpPr>
-          <p:cNvPr id="22" name="Isosceles Triangle 21">
-            <a:extLst>
-              <a:ext uri="{FF2B5EF4-FFF2-40B4-BE49-F238E27FC236}">
-                <a16:creationId xmlns:a16="http://schemas.microsoft.com/office/drawing/2014/main" id="{3ECA69A1-7536-43AC-85EF-C7106179F5ED}"/>
-              </a:ext>
-              <a:ext uri="{C183D7F6-B498-43B3-948B-1728B52AA6E4}">
-                <adec:decorative xmlns:adec="http://schemas.microsoft.com/office/drawing/2017/decorative" val="1"/>
-              </a:ext>
-            </a:extLst>
-          </p:cNvPr>
-          <p:cNvSpPr>
-            <a:spLocks noGrp="1" noRot="1" noChangeAspect="1" noMove="1" noResize="1" noEditPoints="1" noAdjustHandles="1" noChangeArrowheads="1" noChangeShapeType="1" noTextEdit="1"/>
-          </p:cNvSpPr>
-          <p:nvPr>
-            <p:extLst>
-              <p:ext uri="{386F3935-93C4-4BCD-93E2-E3B085C9AB24}">
-                <p16:designElem xmlns:p16="http://schemas.microsoft.com/office/powerpoint/2015/main" val="1"/>
-              </p:ext>
-            </p:extLst>
-          </p:nvPr>
-        </p:nvSpPr>
-        <p:spPr>
-          <a:xfrm flipH="1">
-            <a:off x="7604080" y="6453143"/>
-            <a:ext cx="814903" cy="404857"/>
-          </a:xfrm>
-          <a:prstGeom prst="triangle">
-            <a:avLst/>
-          </a:prstGeom>
-          <a:solidFill>
-            <a:schemeClr val="accent1">
-              <a:alpha val="30000"/>
-            </a:schemeClr>
-          </a:solidFill>
-          <a:ln>
-            <a:noFill/>
-          </a:ln>
-        </p:spPr>
-        <p:style>
-          <a:lnRef idx="2">
-            <a:schemeClr val="accent1">
-              <a:shade val="50000"/>
-            </a:schemeClr>
-          </a:lnRef>
-          <a:fillRef idx="1">
-            <a:schemeClr val="accent1"/>
-          </a:fillRef>
-          <a:effectRef idx="0">
-            <a:schemeClr val="accent1"/>
-          </a:effectRef>
-          <a:fontRef idx="minor">
-            <a:schemeClr val="lt1"/>
-          </a:fontRef>
-        </p:style>
-        <p:txBody>
-          <a:bodyPr rtlCol="0" anchor="ctr"/>
-          <a:lstStyle/>
-          <a:p>
-            <a:pPr algn="ctr"/>
-            <a:endParaRPr lang="en-US"/>
-          </a:p>
-        </p:txBody>
-      </p:sp>
-    </p:spTree>
-    <p:extLst>
-      <p:ext uri="{BB962C8B-B14F-4D97-AF65-F5344CB8AC3E}">
-        <p14:creationId xmlns:p14="http://schemas.microsoft.com/office/powerpoint/2010/main" val="975191138"/>
-      </p:ext>
-    </p:extLst>
-  </p:cSld>
-  <p:clrMapOvr>
-    <a:masterClrMapping/>
-  </p:clrMapOvr>
-</p:sld>
-</file>
-
-<file path=ppt/slides/slide6.xml><?xml version="1.0" encoding="utf-8"?>
+<file path=ppt/slides/slide10.xml><?xml version="1.0" encoding="utf-8"?>
 <p:sld xmlns:a="http://schemas.openxmlformats.org/drawingml/2006/main" xmlns:r="http://schemas.openxmlformats.org/officeDocument/2006/relationships" xmlns:p="http://schemas.openxmlformats.org/presentationml/2006/main">
   <p:cSld>
     <p:bg>
@@ -7548,6 +5719,2609 @@
 </p:sld>
 </file>
 
+<file path=ppt/slides/slide2.xml><?xml version="1.0" encoding="utf-8"?>
+<p:sld xmlns:a="http://schemas.openxmlformats.org/drawingml/2006/main" xmlns:r="http://schemas.openxmlformats.org/officeDocument/2006/relationships" xmlns:p="http://schemas.openxmlformats.org/presentationml/2006/main">
+  <p:cSld>
+    <p:bg>
+      <p:bgPr>
+        <a:solidFill>
+          <a:schemeClr val="bg1"/>
+        </a:solidFill>
+        <a:effectLst/>
+      </p:bgPr>
+    </p:bg>
+    <p:spTree>
+      <p:nvGrpSpPr>
+        <p:cNvPr id="1" name=""/>
+        <p:cNvGrpSpPr/>
+        <p:nvPr/>
+      </p:nvGrpSpPr>
+      <p:grpSpPr>
+        <a:xfrm>
+          <a:off x="0" y="0"/>
+          <a:ext cx="0" cy="0"/>
+          <a:chOff x="0" y="0"/>
+          <a:chExt cx="0" cy="0"/>
+        </a:xfrm>
+      </p:grpSpPr>
+      <p:sp>
+        <p:nvSpPr>
+          <p:cNvPr id="8" name="Rectangle 7">
+            <a:extLst>
+              <a:ext uri="{FF2B5EF4-FFF2-40B4-BE49-F238E27FC236}">
+                <a16:creationId xmlns:a16="http://schemas.microsoft.com/office/drawing/2014/main" id="{6D6CDB20-394C-4D51-9C5B-8751E21338DC}"/>
+              </a:ext>
+              <a:ext uri="{C183D7F6-B498-43B3-948B-1728B52AA6E4}">
+                <adec:decorative xmlns:adec="http://schemas.microsoft.com/office/drawing/2017/decorative" val="1"/>
+              </a:ext>
+            </a:extLst>
+          </p:cNvPr>
+          <p:cNvSpPr>
+            <a:spLocks noGrp="1" noRot="1" noChangeAspect="1" noMove="1" noResize="1" noEditPoints="1" noAdjustHandles="1" noChangeArrowheads="1" noChangeShapeType="1" noTextEdit="1"/>
+          </p:cNvSpPr>
+          <p:nvPr>
+            <p:extLst>
+              <p:ext uri="{386F3935-93C4-4BCD-93E2-E3B085C9AB24}">
+                <p16:designElem xmlns:p16="http://schemas.microsoft.com/office/powerpoint/2015/main" val="1"/>
+              </p:ext>
+            </p:extLst>
+          </p:nvPr>
+        </p:nvSpPr>
+        <p:spPr>
+          <a:xfrm>
+            <a:off x="0" y="-3324"/>
+            <a:ext cx="12192000" cy="6861324"/>
+          </a:xfrm>
+          <a:prstGeom prst="rect">
+            <a:avLst/>
+          </a:prstGeom>
+          <a:solidFill>
+            <a:schemeClr val="tx1">
+              <a:alpha val="15000"/>
+            </a:schemeClr>
+          </a:solidFill>
+          <a:ln>
+            <a:noFill/>
+          </a:ln>
+        </p:spPr>
+        <p:style>
+          <a:lnRef idx="2">
+            <a:schemeClr val="accent1">
+              <a:shade val="50000"/>
+            </a:schemeClr>
+          </a:lnRef>
+          <a:fillRef idx="1">
+            <a:schemeClr val="accent1"/>
+          </a:fillRef>
+          <a:effectRef idx="0">
+            <a:schemeClr val="accent1"/>
+          </a:effectRef>
+          <a:fontRef idx="minor">
+            <a:schemeClr val="lt1"/>
+          </a:fontRef>
+        </p:style>
+        <p:txBody>
+          <a:bodyPr rot="0" spcFirstLastPara="0" vertOverflow="overflow" horzOverflow="overflow" vert="horz" wrap="square" lIns="91440" tIns="45720" rIns="91440" bIns="45720" numCol="1" spcCol="0" rtlCol="0" fromWordArt="0" anchor="ctr" anchorCtr="0" forceAA="0" compatLnSpc="1">
+            <a:prstTxWarp prst="textNoShape">
+              <a:avLst/>
+            </a:prstTxWarp>
+            <a:noAutofit/>
+          </a:bodyPr>
+          <a:lstStyle/>
+          <a:p>
+            <a:pPr algn="ctr"/>
+            <a:endParaRPr lang="en-US"/>
+          </a:p>
+        </p:txBody>
+      </p:sp>
+      <p:sp>
+        <p:nvSpPr>
+          <p:cNvPr id="10" name="Rounded Rectangle 3">
+            <a:extLst>
+              <a:ext uri="{FF2B5EF4-FFF2-40B4-BE49-F238E27FC236}">
+                <a16:creationId xmlns:a16="http://schemas.microsoft.com/office/drawing/2014/main" id="{46DFD1E0-DCA7-47E6-B78B-6ECDDF873DD6}"/>
+              </a:ext>
+              <a:ext uri="{C183D7F6-B498-43B3-948B-1728B52AA6E4}">
+                <adec:decorative xmlns:adec="http://schemas.microsoft.com/office/drawing/2017/decorative" val="1"/>
+              </a:ext>
+            </a:extLst>
+          </p:cNvPr>
+          <p:cNvSpPr>
+            <a:spLocks noGrp="1" noRot="1" noChangeAspect="1" noMove="1" noResize="1" noEditPoints="1" noAdjustHandles="1" noChangeArrowheads="1" noChangeShapeType="1" noTextEdit="1"/>
+          </p:cNvSpPr>
+          <p:nvPr>
+            <p:extLst>
+              <p:ext uri="{386F3935-93C4-4BCD-93E2-E3B085C9AB24}">
+                <p16:designElem xmlns:p16="http://schemas.microsoft.com/office/powerpoint/2015/main" val="1"/>
+              </p:ext>
+            </p:extLst>
+          </p:nvPr>
+        </p:nvSpPr>
+        <p:spPr>
+          <a:xfrm>
+            <a:off x="646745" y="640080"/>
+            <a:ext cx="10920415" cy="5577818"/>
+          </a:xfrm>
+          <a:prstGeom prst="roundRect">
+            <a:avLst>
+              <a:gd name="adj" fmla="val 0"/>
+            </a:avLst>
+          </a:prstGeom>
+          <a:solidFill>
+            <a:srgbClr val="FFFFFF"/>
+          </a:solidFill>
+          <a:ln w="9525">
+            <a:solidFill>
+              <a:schemeClr val="tx1">
+                <a:lumMod val="50000"/>
+                <a:lumOff val="50000"/>
+              </a:schemeClr>
+            </a:solidFill>
+          </a:ln>
+          <a:effectLst>
+            <a:outerShdw blurRad="57150" dist="19050" dir="5400000" algn="t" rotWithShape="0">
+              <a:prstClr val="black">
+                <a:alpha val="63000"/>
+              </a:prstClr>
+            </a:outerShdw>
+          </a:effectLst>
+        </p:spPr>
+        <p:style>
+          <a:lnRef idx="2">
+            <a:schemeClr val="accent1">
+              <a:shade val="50000"/>
+            </a:schemeClr>
+          </a:lnRef>
+          <a:fillRef idx="1">
+            <a:schemeClr val="accent1"/>
+          </a:fillRef>
+          <a:effectRef idx="0">
+            <a:schemeClr val="accent1"/>
+          </a:effectRef>
+          <a:fontRef idx="minor">
+            <a:schemeClr val="lt1"/>
+          </a:fontRef>
+        </p:style>
+        <p:txBody>
+          <a:bodyPr rtlCol="0" anchor="ctr"/>
+          <a:lstStyle/>
+          <a:p>
+            <a:pPr algn="ctr"/>
+            <a:endParaRPr lang="en-US"/>
+          </a:p>
+        </p:txBody>
+      </p:sp>
+      <p:sp>
+        <p:nvSpPr>
+          <p:cNvPr id="12" name="Rectangle 11">
+            <a:extLst>
+              <a:ext uri="{FF2B5EF4-FFF2-40B4-BE49-F238E27FC236}">
+                <a16:creationId xmlns:a16="http://schemas.microsoft.com/office/drawing/2014/main" id="{8AAB0B1E-BB97-40E0-8DCD-D1197A0E1D6A}"/>
+              </a:ext>
+              <a:ext uri="{C183D7F6-B498-43B3-948B-1728B52AA6E4}">
+                <adec:decorative xmlns:adec="http://schemas.microsoft.com/office/drawing/2017/decorative" val="1"/>
+              </a:ext>
+            </a:extLst>
+          </p:cNvPr>
+          <p:cNvSpPr>
+            <a:spLocks noGrp="1" noRot="1" noChangeAspect="1" noMove="1" noResize="1" noEditPoints="1" noAdjustHandles="1" noChangeArrowheads="1" noChangeShapeType="1" noTextEdit="1"/>
+          </p:cNvSpPr>
+          <p:nvPr>
+            <p:extLst>
+              <p:ext uri="{386F3935-93C4-4BCD-93E2-E3B085C9AB24}">
+                <p16:designElem xmlns:p16="http://schemas.microsoft.com/office/powerpoint/2015/main" val="1"/>
+              </p:ext>
+            </p:extLst>
+          </p:nvPr>
+        </p:nvSpPr>
+        <p:spPr>
+          <a:xfrm>
+            <a:off x="968024" y="960109"/>
+            <a:ext cx="10277856" cy="4937760"/>
+          </a:xfrm>
+          <a:prstGeom prst="rect">
+            <a:avLst/>
+          </a:prstGeom>
+          <a:solidFill>
+            <a:schemeClr val="bg2"/>
+          </a:solidFill>
+          <a:ln>
+            <a:noFill/>
+          </a:ln>
+        </p:spPr>
+        <p:style>
+          <a:lnRef idx="2">
+            <a:schemeClr val="accent1">
+              <a:shade val="50000"/>
+            </a:schemeClr>
+          </a:lnRef>
+          <a:fillRef idx="1">
+            <a:schemeClr val="accent1"/>
+          </a:fillRef>
+          <a:effectRef idx="0">
+            <a:schemeClr val="accent1"/>
+          </a:effectRef>
+          <a:fontRef idx="minor">
+            <a:schemeClr val="lt1"/>
+          </a:fontRef>
+        </p:style>
+        <p:txBody>
+          <a:bodyPr rtlCol="0" anchor="ctr"/>
+          <a:lstStyle/>
+          <a:p>
+            <a:pPr algn="ctr"/>
+            <a:endParaRPr lang="en-US" dirty="0"/>
+          </a:p>
+        </p:txBody>
+      </p:sp>
+      <p:sp>
+        <p:nvSpPr>
+          <p:cNvPr id="2" name="Title 1">
+            <a:extLst>
+              <a:ext uri="{FF2B5EF4-FFF2-40B4-BE49-F238E27FC236}">
+                <a16:creationId xmlns:a16="http://schemas.microsoft.com/office/drawing/2014/main" id="{86B354ED-5D57-4FBD-099D-6250C2B94A34}"/>
+              </a:ext>
+            </a:extLst>
+          </p:cNvPr>
+          <p:cNvSpPr>
+            <a:spLocks noGrp="1"/>
+          </p:cNvSpPr>
+          <p:nvPr>
+            <p:ph type="title"/>
+          </p:nvPr>
+        </p:nvSpPr>
+        <p:spPr>
+          <a:xfrm>
+            <a:off x="1288064" y="1369938"/>
+            <a:ext cx="4114800" cy="4114800"/>
+          </a:xfrm>
+        </p:spPr>
+        <p:txBody>
+          <a:bodyPr>
+            <a:normAutofit/>
+          </a:bodyPr>
+          <a:lstStyle/>
+          <a:p>
+            <a:pPr algn="r"/>
+            <a:r>
+              <a:rPr lang="en-US" sz="4800"/>
+              <a:t>SVM</a:t>
+            </a:r>
+          </a:p>
+        </p:txBody>
+      </p:sp>
+      <p:cxnSp>
+        <p:nvCxnSpPr>
+          <p:cNvPr id="14" name="Straight Connector 13">
+            <a:extLst>
+              <a:ext uri="{FF2B5EF4-FFF2-40B4-BE49-F238E27FC236}">
+                <a16:creationId xmlns:a16="http://schemas.microsoft.com/office/drawing/2014/main" id="{F492F8DF-EE34-4FC5-9FFE-76EB2E3BBA95}"/>
+              </a:ext>
+              <a:ext uri="{C183D7F6-B498-43B3-948B-1728B52AA6E4}">
+                <adec:decorative xmlns:adec="http://schemas.microsoft.com/office/drawing/2017/decorative" val="1"/>
+              </a:ext>
+            </a:extLst>
+          </p:cNvPr>
+          <p:cNvCxnSpPr>
+            <a:cxnSpLocks noGrp="1" noRot="1" noChangeAspect="1" noMove="1" noResize="1" noEditPoints="1" noAdjustHandles="1" noChangeArrowheads="1" noChangeShapeType="1"/>
+          </p:cNvCxnSpPr>
+          <p:nvPr>
+            <p:extLst>
+              <p:ext uri="{386F3935-93C4-4BCD-93E2-E3B085C9AB24}">
+                <p16:designElem xmlns:p16="http://schemas.microsoft.com/office/powerpoint/2015/main" val="1"/>
+              </p:ext>
+            </p:extLst>
+          </p:nvPr>
+        </p:nvCxnSpPr>
+        <p:spPr>
+          <a:xfrm rot="5400000">
+            <a:off x="4072564" y="3429000"/>
+            <a:ext cx="3200400" cy="0"/>
+          </a:xfrm>
+          <a:prstGeom prst="line">
+            <a:avLst/>
+          </a:prstGeom>
+          <a:ln w="19050">
+            <a:solidFill>
+              <a:schemeClr val="tx1">
+                <a:lumMod val="50000"/>
+                <a:lumOff val="50000"/>
+              </a:schemeClr>
+            </a:solidFill>
+          </a:ln>
+        </p:spPr>
+        <p:style>
+          <a:lnRef idx="1">
+            <a:schemeClr val="accent1"/>
+          </a:lnRef>
+          <a:fillRef idx="0">
+            <a:schemeClr val="accent1"/>
+          </a:fillRef>
+          <a:effectRef idx="0">
+            <a:schemeClr val="accent1"/>
+          </a:effectRef>
+          <a:fontRef idx="minor">
+            <a:schemeClr val="tx1"/>
+          </a:fontRef>
+        </p:style>
+      </p:cxnSp>
+      <p:sp>
+        <p:nvSpPr>
+          <p:cNvPr id="3" name="Content Placeholder 2">
+            <a:extLst>
+              <a:ext uri="{FF2B5EF4-FFF2-40B4-BE49-F238E27FC236}">
+                <a16:creationId xmlns:a16="http://schemas.microsoft.com/office/drawing/2014/main" id="{A6B20EF7-B1FC-36EB-43CC-13EFA8DCBC72}"/>
+              </a:ext>
+            </a:extLst>
+          </p:cNvPr>
+          <p:cNvSpPr>
+            <a:spLocks noGrp="1"/>
+          </p:cNvSpPr>
+          <p:nvPr>
+            <p:ph idx="1"/>
+          </p:nvPr>
+        </p:nvSpPr>
+        <p:spPr>
+          <a:xfrm>
+            <a:off x="5934456" y="1371600"/>
+            <a:ext cx="4969480" cy="4114800"/>
+          </a:xfrm>
+        </p:spPr>
+        <p:txBody>
+          <a:bodyPr anchor="ctr">
+            <a:normAutofit/>
+          </a:bodyPr>
+          <a:lstStyle/>
+          <a:p>
+            <a:r>
+              <a:rPr lang="en-US" sz="2200" b="0" i="0">
+                <a:effectLst/>
+                <a:latin typeface="Söhne"/>
+              </a:rPr>
+              <a:t>SVM works by finding the support vectors, which are the data points closest to the hyperplane. The support vectors are used to determine the position and orientation of the hyperplane. SVM also uses a kernel function to map the data into a higher-dimensional space, where it can be separated by a hyperplane.</a:t>
+            </a:r>
+            <a:endParaRPr lang="en-US" sz="2200"/>
+          </a:p>
+        </p:txBody>
+      </p:sp>
+    </p:spTree>
+    <p:extLst>
+      <p:ext uri="{BB962C8B-B14F-4D97-AF65-F5344CB8AC3E}">
+        <p14:creationId xmlns:p14="http://schemas.microsoft.com/office/powerpoint/2010/main" val="3924319336"/>
+      </p:ext>
+    </p:extLst>
+  </p:cSld>
+  <p:clrMapOvr>
+    <a:masterClrMapping/>
+  </p:clrMapOvr>
+</p:sld>
+</file>
+
+<file path=ppt/slides/slide3.xml><?xml version="1.0" encoding="utf-8"?>
+<p:sld xmlns:a="http://schemas.openxmlformats.org/drawingml/2006/main" xmlns:r="http://schemas.openxmlformats.org/officeDocument/2006/relationships" xmlns:p="http://schemas.openxmlformats.org/presentationml/2006/main">
+  <p:cSld>
+    <p:bg>
+      <p:bgPr>
+        <a:solidFill>
+          <a:schemeClr val="bg1"/>
+        </a:solidFill>
+        <a:effectLst/>
+      </p:bgPr>
+    </p:bg>
+    <p:spTree>
+      <p:nvGrpSpPr>
+        <p:cNvPr id="1" name=""/>
+        <p:cNvGrpSpPr/>
+        <p:nvPr/>
+      </p:nvGrpSpPr>
+      <p:grpSpPr>
+        <a:xfrm>
+          <a:off x="0" y="0"/>
+          <a:ext cx="0" cy="0"/>
+          <a:chOff x="0" y="0"/>
+          <a:chExt cx="0" cy="0"/>
+        </a:xfrm>
+      </p:grpSpPr>
+      <p:sp>
+        <p:nvSpPr>
+          <p:cNvPr id="2" name="Title 1">
+            <a:extLst>
+              <a:ext uri="{FF2B5EF4-FFF2-40B4-BE49-F238E27FC236}">
+                <a16:creationId xmlns:a16="http://schemas.microsoft.com/office/drawing/2014/main" id="{EC477F83-EC5A-A115-9B15-A6C666237A97}"/>
+              </a:ext>
+            </a:extLst>
+          </p:cNvPr>
+          <p:cNvSpPr>
+            <a:spLocks noGrp="1"/>
+          </p:cNvSpPr>
+          <p:nvPr>
+            <p:ph type="ctrTitle"/>
+          </p:nvPr>
+        </p:nvSpPr>
+        <p:spPr>
+          <a:xfrm>
+            <a:off x="838199" y="291090"/>
+            <a:ext cx="10515599" cy="932688"/>
+          </a:xfrm>
+        </p:spPr>
+        <p:txBody>
+          <a:bodyPr>
+            <a:normAutofit/>
+          </a:bodyPr>
+          <a:lstStyle/>
+          <a:p>
+            <a:pPr algn="l"/>
+            <a:endParaRPr lang="en-US" sz="5400"/>
+          </a:p>
+        </p:txBody>
+      </p:sp>
+      <p:sp>
+        <p:nvSpPr>
+          <p:cNvPr id="3" name="Subtitle 2">
+            <a:extLst>
+              <a:ext uri="{FF2B5EF4-FFF2-40B4-BE49-F238E27FC236}">
+                <a16:creationId xmlns:a16="http://schemas.microsoft.com/office/drawing/2014/main" id="{5B3E7E50-41B9-52F5-6FE4-C1E1F1DDBE66}"/>
+              </a:ext>
+            </a:extLst>
+          </p:cNvPr>
+          <p:cNvSpPr>
+            <a:spLocks noGrp="1"/>
+          </p:cNvSpPr>
+          <p:nvPr>
+            <p:ph type="subTitle" idx="1"/>
+          </p:nvPr>
+        </p:nvSpPr>
+        <p:spPr>
+          <a:xfrm>
+            <a:off x="838199" y="1335726"/>
+            <a:ext cx="10515599" cy="420624"/>
+          </a:xfrm>
+        </p:spPr>
+        <p:txBody>
+          <a:bodyPr>
+            <a:normAutofit/>
+          </a:bodyPr>
+          <a:lstStyle/>
+          <a:p>
+            <a:pPr algn="l"/>
+            <a:endParaRPr lang="en-US"/>
+          </a:p>
+        </p:txBody>
+      </p:sp>
+      <p:pic>
+        <p:nvPicPr>
+          <p:cNvPr id="1026" name="Picture 2">
+            <a:extLst>
+              <a:ext uri="{FF2B5EF4-FFF2-40B4-BE49-F238E27FC236}">
+                <a16:creationId xmlns:a16="http://schemas.microsoft.com/office/drawing/2014/main" id="{71A525BA-365B-709E-2AB4-6CC2919458F6}"/>
+              </a:ext>
+            </a:extLst>
+          </p:cNvPr>
+          <p:cNvPicPr>
+            <a:picLocks noChangeAspect="1" noChangeArrowheads="1"/>
+          </p:cNvPicPr>
+          <p:nvPr/>
+        </p:nvPicPr>
+        <p:blipFill>
+          <a:blip r:embed="rId2">
+            <a:extLst>
+              <a:ext uri="{28A0092B-C50C-407E-A947-70E740481C1C}">
+                <a14:useLocalDpi xmlns:a14="http://schemas.microsoft.com/office/drawing/2010/main" val="0"/>
+              </a:ext>
+            </a:extLst>
+          </a:blip>
+          <a:stretch>
+            <a:fillRect/>
+          </a:stretch>
+        </p:blipFill>
+        <p:spPr bwMode="auto">
+          <a:xfrm>
+            <a:off x="3135502" y="1863801"/>
+            <a:ext cx="5920994" cy="4440746"/>
+          </a:xfrm>
+          <a:prstGeom prst="rect">
+            <a:avLst/>
+          </a:prstGeom>
+          <a:noFill/>
+          <a:extLst>
+            <a:ext uri="{909E8E84-426E-40DD-AFC4-6F175D3DCCD1}">
+              <a14:hiddenFill xmlns:a14="http://schemas.microsoft.com/office/drawing/2010/main">
+                <a:solidFill>
+                  <a:srgbClr val="FFFFFF"/>
+                </a:solidFill>
+              </a14:hiddenFill>
+            </a:ext>
+          </a:extLst>
+        </p:spPr>
+      </p:pic>
+    </p:spTree>
+    <p:extLst>
+      <p:ext uri="{BB962C8B-B14F-4D97-AF65-F5344CB8AC3E}">
+        <p14:creationId xmlns:p14="http://schemas.microsoft.com/office/powerpoint/2010/main" val="3054428908"/>
+      </p:ext>
+    </p:extLst>
+  </p:cSld>
+  <p:clrMapOvr>
+    <a:masterClrMapping/>
+  </p:clrMapOvr>
+</p:sld>
+</file>
+
+<file path=ppt/slides/slide4.xml><?xml version="1.0" encoding="utf-8"?>
+<p:sld xmlns:a="http://schemas.openxmlformats.org/drawingml/2006/main" xmlns:r="http://schemas.openxmlformats.org/officeDocument/2006/relationships" xmlns:p="http://schemas.openxmlformats.org/presentationml/2006/main">
+  <p:cSld>
+    <p:spTree>
+      <p:nvGrpSpPr>
+        <p:cNvPr id="1" name=""/>
+        <p:cNvGrpSpPr/>
+        <p:nvPr/>
+      </p:nvGrpSpPr>
+      <p:grpSpPr>
+        <a:xfrm>
+          <a:off x="0" y="0"/>
+          <a:ext cx="0" cy="0"/>
+          <a:chOff x="0" y="0"/>
+          <a:chExt cx="0" cy="0"/>
+        </a:xfrm>
+      </p:grpSpPr>
+      <p:sp>
+        <p:nvSpPr>
+          <p:cNvPr id="2" name="Title 1">
+            <a:extLst>
+              <a:ext uri="{FF2B5EF4-FFF2-40B4-BE49-F238E27FC236}">
+                <a16:creationId xmlns:a16="http://schemas.microsoft.com/office/drawing/2014/main" id="{A6054FB3-DC14-BA12-AF6A-380898107DDB}"/>
+              </a:ext>
+            </a:extLst>
+          </p:cNvPr>
+          <p:cNvSpPr>
+            <a:spLocks noGrp="1"/>
+          </p:cNvSpPr>
+          <p:nvPr>
+            <p:ph type="title"/>
+          </p:nvPr>
+        </p:nvSpPr>
+        <p:spPr/>
+        <p:txBody>
+          <a:bodyPr/>
+          <a:lstStyle/>
+          <a:p>
+            <a:r>
+              <a:rPr lang="en-US" dirty="0"/>
+              <a:t>kernel</a:t>
+            </a:r>
+          </a:p>
+        </p:txBody>
+      </p:sp>
+      <p:sp>
+        <p:nvSpPr>
+          <p:cNvPr id="3" name="Content Placeholder 2">
+            <a:extLst>
+              <a:ext uri="{FF2B5EF4-FFF2-40B4-BE49-F238E27FC236}">
+                <a16:creationId xmlns:a16="http://schemas.microsoft.com/office/drawing/2014/main" id="{81D5EBD8-DB41-186C-0F30-7DC2DB7466A9}"/>
+              </a:ext>
+            </a:extLst>
+          </p:cNvPr>
+          <p:cNvSpPr>
+            <a:spLocks noGrp="1"/>
+          </p:cNvSpPr>
+          <p:nvPr>
+            <p:ph idx="1"/>
+          </p:nvPr>
+        </p:nvSpPr>
+        <p:spPr/>
+        <p:txBody>
+          <a:bodyPr/>
+          <a:lstStyle/>
+          <a:p>
+            <a:pPr algn="l">
+              <a:buFont typeface="+mj-lt"/>
+              <a:buAutoNum type="arabicPeriod"/>
+            </a:pPr>
+            <a:r>
+              <a:rPr lang="en-US" b="0" i="0" dirty="0">
+                <a:solidFill>
+                  <a:srgbClr val="292929"/>
+                </a:solidFill>
+                <a:effectLst/>
+                <a:latin typeface="source-serif-pro"/>
+              </a:rPr>
+              <a:t>Linear Kernel : Used for linear data classification</a:t>
+            </a:r>
+          </a:p>
+          <a:p>
+            <a:pPr algn="l">
+              <a:buFont typeface="+mj-lt"/>
+              <a:buAutoNum type="arabicPeriod"/>
+            </a:pPr>
+            <a:r>
+              <a:rPr lang="en-US" b="0" i="0" dirty="0">
+                <a:solidFill>
+                  <a:srgbClr val="292929"/>
+                </a:solidFill>
+                <a:effectLst/>
+                <a:latin typeface="source-serif-pro"/>
+              </a:rPr>
+              <a:t>Polynomial Kernel :Used for Non-linear data classification</a:t>
+            </a:r>
+          </a:p>
+          <a:p>
+            <a:pPr algn="l">
+              <a:buFont typeface="+mj-lt"/>
+              <a:buAutoNum type="arabicPeriod"/>
+            </a:pPr>
+            <a:r>
+              <a:rPr lang="en-US" b="0" i="0" dirty="0">
+                <a:solidFill>
+                  <a:srgbClr val="292929"/>
+                </a:solidFill>
+                <a:effectLst/>
+                <a:latin typeface="source-serif-pro"/>
+              </a:rPr>
+              <a:t>Radial or RBF kernel :Used for Non-linear data classification</a:t>
+            </a:r>
+          </a:p>
+          <a:p>
+            <a:endParaRPr lang="en-US" dirty="0"/>
+          </a:p>
+        </p:txBody>
+      </p:sp>
+    </p:spTree>
+    <p:extLst>
+      <p:ext uri="{BB962C8B-B14F-4D97-AF65-F5344CB8AC3E}">
+        <p14:creationId xmlns:p14="http://schemas.microsoft.com/office/powerpoint/2010/main" val="864475483"/>
+      </p:ext>
+    </p:extLst>
+  </p:cSld>
+  <p:clrMapOvr>
+    <a:masterClrMapping/>
+  </p:clrMapOvr>
+</p:sld>
+</file>
+
+<file path=ppt/slides/slide5.xml><?xml version="1.0" encoding="utf-8"?>
+<p:sld xmlns:a="http://schemas.openxmlformats.org/drawingml/2006/main" xmlns:r="http://schemas.openxmlformats.org/officeDocument/2006/relationships" xmlns:p="http://schemas.openxmlformats.org/presentationml/2006/main">
+  <p:cSld>
+    <p:bg>
+      <p:bgPr>
+        <a:solidFill>
+          <a:schemeClr val="bg1"/>
+        </a:solidFill>
+        <a:effectLst/>
+      </p:bgPr>
+    </p:bg>
+    <p:spTree>
+      <p:nvGrpSpPr>
+        <p:cNvPr id="1" name=""/>
+        <p:cNvGrpSpPr/>
+        <p:nvPr/>
+      </p:nvGrpSpPr>
+      <p:grpSpPr>
+        <a:xfrm>
+          <a:off x="0" y="0"/>
+          <a:ext cx="0" cy="0"/>
+          <a:chOff x="0" y="0"/>
+          <a:chExt cx="0" cy="0"/>
+        </a:xfrm>
+      </p:grpSpPr>
+      <p:sp>
+        <p:nvSpPr>
+          <p:cNvPr id="2" name="Title 1">
+            <a:extLst>
+              <a:ext uri="{FF2B5EF4-FFF2-40B4-BE49-F238E27FC236}">
+                <a16:creationId xmlns:a16="http://schemas.microsoft.com/office/drawing/2014/main" id="{89F285D8-0B4D-E077-9552-FEF20997692E}"/>
+              </a:ext>
+            </a:extLst>
+          </p:cNvPr>
+          <p:cNvSpPr>
+            <a:spLocks noGrp="1"/>
+          </p:cNvSpPr>
+          <p:nvPr>
+            <p:ph type="title"/>
+          </p:nvPr>
+        </p:nvSpPr>
+        <p:spPr>
+          <a:xfrm>
+            <a:off x="990600" y="338328"/>
+            <a:ext cx="10210800" cy="1078992"/>
+          </a:xfrm>
+        </p:spPr>
+        <p:txBody>
+          <a:bodyPr vert="horz" lIns="91440" tIns="45720" rIns="91440" bIns="45720" rtlCol="0" anchor="b">
+            <a:normAutofit/>
+          </a:bodyPr>
+          <a:lstStyle/>
+          <a:p>
+            <a:pPr algn="ctr"/>
+            <a:endParaRPr lang="en-US" sz="5400"/>
+          </a:p>
+        </p:txBody>
+      </p:sp>
+      <p:sp>
+        <p:nvSpPr>
+          <p:cNvPr id="12" name="Rectangle 11">
+            <a:extLst>
+              <a:ext uri="{FF2B5EF4-FFF2-40B4-BE49-F238E27FC236}">
+                <a16:creationId xmlns:a16="http://schemas.microsoft.com/office/drawing/2014/main" id="{70BDD0CE-06A4-404B-8A13-580229C1C923}"/>
+              </a:ext>
+              <a:ext uri="{C183D7F6-B498-43B3-948B-1728B52AA6E4}">
+                <adec:decorative xmlns:adec="http://schemas.microsoft.com/office/drawing/2017/decorative" val="1"/>
+              </a:ext>
+            </a:extLst>
+          </p:cNvPr>
+          <p:cNvSpPr>
+            <a:spLocks noGrp="1" noRot="1" noChangeAspect="1" noMove="1" noResize="1" noEditPoints="1" noAdjustHandles="1" noChangeArrowheads="1" noChangeShapeType="1" noTextEdit="1"/>
+          </p:cNvSpPr>
+          <p:nvPr>
+            <p:extLst>
+              <p:ext uri="{386F3935-93C4-4BCD-93E2-E3B085C9AB24}">
+                <p16:designElem xmlns:p16="http://schemas.microsoft.com/office/powerpoint/2015/main" val="1"/>
+              </p:ext>
+            </p:extLst>
+          </p:nvPr>
+        </p:nvSpPr>
+        <p:spPr>
+          <a:xfrm>
+            <a:off x="0" y="2141750"/>
+            <a:ext cx="12192000" cy="4716250"/>
+          </a:xfrm>
+          <a:prstGeom prst="rect">
+            <a:avLst/>
+          </a:prstGeom>
+          <a:solidFill>
+            <a:srgbClr val="5E5E3F"/>
+          </a:solidFill>
+          <a:ln>
+            <a:noFill/>
+          </a:ln>
+        </p:spPr>
+        <p:style>
+          <a:lnRef idx="2">
+            <a:schemeClr val="accent1">
+              <a:shade val="50000"/>
+            </a:schemeClr>
+          </a:lnRef>
+          <a:fillRef idx="1">
+            <a:schemeClr val="accent1"/>
+          </a:fillRef>
+          <a:effectRef idx="0">
+            <a:schemeClr val="accent1"/>
+          </a:effectRef>
+          <a:fontRef idx="minor">
+            <a:schemeClr val="lt1"/>
+          </a:fontRef>
+        </p:style>
+        <p:txBody>
+          <a:bodyPr rtlCol="0" anchor="ctr"/>
+          <a:lstStyle/>
+          <a:p>
+            <a:pPr algn="ctr"/>
+            <a:endParaRPr lang="en-US"/>
+          </a:p>
+        </p:txBody>
+      </p:sp>
+      <p:sp>
+        <p:nvSpPr>
+          <p:cNvPr id="14" name="Rounded Rectangle 26">
+            <a:extLst>
+              <a:ext uri="{FF2B5EF4-FFF2-40B4-BE49-F238E27FC236}">
+                <a16:creationId xmlns:a16="http://schemas.microsoft.com/office/drawing/2014/main" id="{EE9899FA-8881-472C-AA59-D08A89CA8AEF}"/>
+              </a:ext>
+              <a:ext uri="{C183D7F6-B498-43B3-948B-1728B52AA6E4}">
+                <adec:decorative xmlns:adec="http://schemas.microsoft.com/office/drawing/2017/decorative" val="1"/>
+              </a:ext>
+            </a:extLst>
+          </p:cNvPr>
+          <p:cNvSpPr>
+            <a:spLocks noGrp="1" noRot="1" noChangeAspect="1" noMove="1" noResize="1" noEditPoints="1" noAdjustHandles="1" noChangeArrowheads="1" noChangeShapeType="1" noTextEdit="1"/>
+          </p:cNvSpPr>
+          <p:nvPr>
+            <p:extLst>
+              <p:ext uri="{386F3935-93C4-4BCD-93E2-E3B085C9AB24}">
+                <p16:designElem xmlns:p16="http://schemas.microsoft.com/office/powerpoint/2015/main" val="1"/>
+              </p:ext>
+            </p:extLst>
+          </p:nvPr>
+        </p:nvSpPr>
+        <p:spPr>
+          <a:xfrm>
+            <a:off x="321564" y="2423160"/>
+            <a:ext cx="5613569" cy="3930315"/>
+          </a:xfrm>
+          <a:prstGeom prst="roundRect">
+            <a:avLst>
+              <a:gd name="adj" fmla="val 0"/>
+            </a:avLst>
+          </a:prstGeom>
+          <a:solidFill>
+            <a:srgbClr val="FFFFFF"/>
+          </a:solidFill>
+          <a:ln w="9525">
+            <a:solidFill>
+              <a:srgbClr val="C8CACA"/>
+            </a:solidFill>
+          </a:ln>
+          <a:effectLst>
+            <a:outerShdw blurRad="57150" dist="19050" dir="5400000" algn="t" rotWithShape="0">
+              <a:prstClr val="black">
+                <a:alpha val="63000"/>
+              </a:prstClr>
+            </a:outerShdw>
+          </a:effectLst>
+        </p:spPr>
+        <p:style>
+          <a:lnRef idx="2">
+            <a:schemeClr val="accent1">
+              <a:shade val="50000"/>
+            </a:schemeClr>
+          </a:lnRef>
+          <a:fillRef idx="1">
+            <a:schemeClr val="accent1"/>
+          </a:fillRef>
+          <a:effectRef idx="0">
+            <a:schemeClr val="accent1"/>
+          </a:effectRef>
+          <a:fontRef idx="minor">
+            <a:schemeClr val="lt1"/>
+          </a:fontRef>
+        </p:style>
+        <p:txBody>
+          <a:bodyPr rtlCol="0" anchor="ctr"/>
+          <a:lstStyle/>
+          <a:p>
+            <a:pPr algn="ctr"/>
+            <a:endParaRPr lang="en-US"/>
+          </a:p>
+        </p:txBody>
+      </p:sp>
+      <p:pic>
+        <p:nvPicPr>
+          <p:cNvPr id="7" name="Picture 6">
+            <a:extLst>
+              <a:ext uri="{FF2B5EF4-FFF2-40B4-BE49-F238E27FC236}">
+                <a16:creationId xmlns:a16="http://schemas.microsoft.com/office/drawing/2014/main" id="{93261C5B-472D-A447-3FEF-7CC873BDEBA8}"/>
+              </a:ext>
+            </a:extLst>
+          </p:cNvPr>
+          <p:cNvPicPr>
+            <a:picLocks noChangeAspect="1"/>
+          </p:cNvPicPr>
+          <p:nvPr/>
+        </p:nvPicPr>
+        <p:blipFill>
+          <a:blip r:embed="rId2"/>
+          <a:stretch>
+            <a:fillRect/>
+          </a:stretch>
+        </p:blipFill>
+        <p:spPr>
+          <a:xfrm>
+            <a:off x="871631" y="2742397"/>
+            <a:ext cx="4509369" cy="3291840"/>
+          </a:xfrm>
+          <a:prstGeom prst="rect">
+            <a:avLst/>
+          </a:prstGeom>
+        </p:spPr>
+      </p:pic>
+      <p:sp>
+        <p:nvSpPr>
+          <p:cNvPr id="16" name="Rounded Rectangle 16">
+            <a:extLst>
+              <a:ext uri="{FF2B5EF4-FFF2-40B4-BE49-F238E27FC236}">
+                <a16:creationId xmlns:a16="http://schemas.microsoft.com/office/drawing/2014/main" id="{080B7D90-3DF1-4514-B26D-616BE35553C9}"/>
+              </a:ext>
+              <a:ext uri="{C183D7F6-B498-43B3-948B-1728B52AA6E4}">
+                <adec:decorative xmlns:adec="http://schemas.microsoft.com/office/drawing/2017/decorative" val="1"/>
+              </a:ext>
+            </a:extLst>
+          </p:cNvPr>
+          <p:cNvSpPr>
+            <a:spLocks noGrp="1" noRot="1" noChangeAspect="1" noMove="1" noResize="1" noEditPoints="1" noAdjustHandles="1" noChangeArrowheads="1" noChangeShapeType="1" noTextEdit="1"/>
+          </p:cNvSpPr>
+          <p:nvPr>
+            <p:extLst>
+              <p:ext uri="{386F3935-93C4-4BCD-93E2-E3B085C9AB24}">
+                <p16:designElem xmlns:p16="http://schemas.microsoft.com/office/powerpoint/2015/main" val="1"/>
+              </p:ext>
+            </p:extLst>
+          </p:nvPr>
+        </p:nvSpPr>
+        <p:spPr>
+          <a:xfrm>
+            <a:off x="6254749" y="2423160"/>
+            <a:ext cx="5613569" cy="3930315"/>
+          </a:xfrm>
+          <a:prstGeom prst="roundRect">
+            <a:avLst>
+              <a:gd name="adj" fmla="val 0"/>
+            </a:avLst>
+          </a:prstGeom>
+          <a:solidFill>
+            <a:srgbClr val="FFFFFF"/>
+          </a:solidFill>
+          <a:ln w="9525">
+            <a:solidFill>
+              <a:srgbClr val="C8CACA"/>
+            </a:solidFill>
+          </a:ln>
+          <a:effectLst>
+            <a:outerShdw blurRad="57150" dist="19050" dir="5400000" algn="t" rotWithShape="0">
+              <a:prstClr val="black">
+                <a:alpha val="63000"/>
+              </a:prstClr>
+            </a:outerShdw>
+          </a:effectLst>
+        </p:spPr>
+        <p:style>
+          <a:lnRef idx="2">
+            <a:schemeClr val="accent1">
+              <a:shade val="50000"/>
+            </a:schemeClr>
+          </a:lnRef>
+          <a:fillRef idx="1">
+            <a:schemeClr val="accent1"/>
+          </a:fillRef>
+          <a:effectRef idx="0">
+            <a:schemeClr val="accent1"/>
+          </a:effectRef>
+          <a:fontRef idx="minor">
+            <a:schemeClr val="lt1"/>
+          </a:fontRef>
+        </p:style>
+        <p:txBody>
+          <a:bodyPr rtlCol="0" anchor="ctr"/>
+          <a:lstStyle/>
+          <a:p>
+            <a:pPr algn="ctr"/>
+            <a:endParaRPr lang="en-US"/>
+          </a:p>
+        </p:txBody>
+      </p:sp>
+      <p:pic>
+        <p:nvPicPr>
+          <p:cNvPr id="5" name="Content Placeholder 4">
+            <a:extLst>
+              <a:ext uri="{FF2B5EF4-FFF2-40B4-BE49-F238E27FC236}">
+                <a16:creationId xmlns:a16="http://schemas.microsoft.com/office/drawing/2014/main" id="{04FFC5A2-76AB-1FD8-2F3C-02B17950031B}"/>
+              </a:ext>
+            </a:extLst>
+          </p:cNvPr>
+          <p:cNvPicPr>
+            <a:picLocks noGrp="1" noChangeAspect="1"/>
+          </p:cNvPicPr>
+          <p:nvPr>
+            <p:ph idx="1"/>
+          </p:nvPr>
+        </p:nvPicPr>
+        <p:blipFill>
+          <a:blip r:embed="rId3"/>
+          <a:stretch>
+            <a:fillRect/>
+          </a:stretch>
+        </p:blipFill>
+        <p:spPr>
+          <a:xfrm>
+            <a:off x="6578516" y="3762641"/>
+            <a:ext cx="4974336" cy="1256020"/>
+          </a:xfrm>
+          <a:prstGeom prst="rect">
+            <a:avLst/>
+          </a:prstGeom>
+        </p:spPr>
+      </p:pic>
+    </p:spTree>
+    <p:extLst>
+      <p:ext uri="{BB962C8B-B14F-4D97-AF65-F5344CB8AC3E}">
+        <p14:creationId xmlns:p14="http://schemas.microsoft.com/office/powerpoint/2010/main" val="3187941690"/>
+      </p:ext>
+    </p:extLst>
+  </p:cSld>
+  <p:clrMapOvr>
+    <a:masterClrMapping/>
+  </p:clrMapOvr>
+</p:sld>
+</file>
+
+<file path=ppt/slides/slide6.xml><?xml version="1.0" encoding="utf-8"?>
+<p:sld xmlns:a="http://schemas.openxmlformats.org/drawingml/2006/main" xmlns:r="http://schemas.openxmlformats.org/officeDocument/2006/relationships" xmlns:p="http://schemas.openxmlformats.org/presentationml/2006/main">
+  <p:cSld>
+    <p:bg>
+      <p:bgPr>
+        <a:solidFill>
+          <a:schemeClr val="bg1"/>
+        </a:solidFill>
+        <a:effectLst/>
+      </p:bgPr>
+    </p:bg>
+    <p:spTree>
+      <p:nvGrpSpPr>
+        <p:cNvPr id="1" name=""/>
+        <p:cNvGrpSpPr/>
+        <p:nvPr/>
+      </p:nvGrpSpPr>
+      <p:grpSpPr>
+        <a:xfrm>
+          <a:off x="0" y="0"/>
+          <a:ext cx="0" cy="0"/>
+          <a:chOff x="0" y="0"/>
+          <a:chExt cx="0" cy="0"/>
+        </a:xfrm>
+      </p:grpSpPr>
+      <p:sp>
+        <p:nvSpPr>
+          <p:cNvPr id="12" name="Freeform: Shape 11">
+            <a:extLst>
+              <a:ext uri="{FF2B5EF4-FFF2-40B4-BE49-F238E27FC236}">
+                <a16:creationId xmlns:a16="http://schemas.microsoft.com/office/drawing/2014/main" id="{D052D0E8-5725-42F1-BA8A-2E793289AB6A}"/>
+              </a:ext>
+              <a:ext uri="{C183D7F6-B498-43B3-948B-1728B52AA6E4}">
+                <adec:decorative xmlns:adec="http://schemas.microsoft.com/office/drawing/2017/decorative" val="1"/>
+              </a:ext>
+            </a:extLst>
+          </p:cNvPr>
+          <p:cNvSpPr>
+            <a:spLocks noGrp="1" noRot="1" noChangeAspect="1" noMove="1" noResize="1" noEditPoints="1" noAdjustHandles="1" noChangeArrowheads="1" noChangeShapeType="1" noTextEdit="1"/>
+          </p:cNvSpPr>
+          <p:nvPr>
+            <p:extLst>
+              <p:ext uri="{386F3935-93C4-4BCD-93E2-E3B085C9AB24}">
+                <p16:designElem xmlns:p16="http://schemas.microsoft.com/office/powerpoint/2015/main" val="1"/>
+              </p:ext>
+            </p:extLst>
+          </p:nvPr>
+        </p:nvSpPr>
+        <p:spPr>
+          <a:xfrm>
+            <a:off x="0" y="-2"/>
+            <a:ext cx="6693455" cy="1511306"/>
+          </a:xfrm>
+          <a:custGeom>
+            <a:avLst/>
+            <a:gdLst>
+              <a:gd name="connsiteX0" fmla="*/ 2147981 w 6693455"/>
+              <a:gd name="connsiteY0" fmla="*/ 0 h 1511306"/>
+              <a:gd name="connsiteX1" fmla="*/ 6693455 w 6693455"/>
+              <a:gd name="connsiteY1" fmla="*/ 0 h 1511306"/>
+              <a:gd name="connsiteX2" fmla="*/ 5995838 w 6693455"/>
+              <a:gd name="connsiteY2" fmla="*/ 1511301 h 1511306"/>
+              <a:gd name="connsiteX3" fmla="*/ 2147982 w 6693455"/>
+              <a:gd name="connsiteY3" fmla="*/ 1511301 h 1511306"/>
+              <a:gd name="connsiteX4" fmla="*/ 2147982 w 6693455"/>
+              <a:gd name="connsiteY4" fmla="*/ 1511304 h 1511306"/>
+              <a:gd name="connsiteX5" fmla="*/ 680261 w 6693455"/>
+              <a:gd name="connsiteY5" fmla="*/ 1511304 h 1511306"/>
+              <a:gd name="connsiteX6" fmla="*/ 680261 w 6693455"/>
+              <a:gd name="connsiteY6" fmla="*/ 1511306 h 1511306"/>
+              <a:gd name="connsiteX7" fmla="*/ 0 w 6693455"/>
+              <a:gd name="connsiteY7" fmla="*/ 1511306 h 1511306"/>
+              <a:gd name="connsiteX8" fmla="*/ 0 w 6693455"/>
+              <a:gd name="connsiteY8" fmla="*/ 2 h 1511306"/>
+              <a:gd name="connsiteX9" fmla="*/ 680261 w 6693455"/>
+              <a:gd name="connsiteY9" fmla="*/ 2 h 1511306"/>
+              <a:gd name="connsiteX10" fmla="*/ 680261 w 6693455"/>
+              <a:gd name="connsiteY10" fmla="*/ 2544 h 1511306"/>
+              <a:gd name="connsiteX11" fmla="*/ 2147981 w 6693455"/>
+              <a:gd name="connsiteY11" fmla="*/ 2544 h 1511306"/>
+            </a:gdLst>
+            <a:ahLst/>
+            <a:cxnLst>
+              <a:cxn ang="0">
+                <a:pos x="connsiteX0" y="connsiteY0"/>
+              </a:cxn>
+              <a:cxn ang="0">
+                <a:pos x="connsiteX1" y="connsiteY1"/>
+              </a:cxn>
+              <a:cxn ang="0">
+                <a:pos x="connsiteX2" y="connsiteY2"/>
+              </a:cxn>
+              <a:cxn ang="0">
+                <a:pos x="connsiteX3" y="connsiteY3"/>
+              </a:cxn>
+              <a:cxn ang="0">
+                <a:pos x="connsiteX4" y="connsiteY4"/>
+              </a:cxn>
+              <a:cxn ang="0">
+                <a:pos x="connsiteX5" y="connsiteY5"/>
+              </a:cxn>
+              <a:cxn ang="0">
+                <a:pos x="connsiteX6" y="connsiteY6"/>
+              </a:cxn>
+              <a:cxn ang="0">
+                <a:pos x="connsiteX7" y="connsiteY7"/>
+              </a:cxn>
+              <a:cxn ang="0">
+                <a:pos x="connsiteX8" y="connsiteY8"/>
+              </a:cxn>
+              <a:cxn ang="0">
+                <a:pos x="connsiteX9" y="connsiteY9"/>
+              </a:cxn>
+              <a:cxn ang="0">
+                <a:pos x="connsiteX10" y="connsiteY10"/>
+              </a:cxn>
+              <a:cxn ang="0">
+                <a:pos x="connsiteX11" y="connsiteY11"/>
+              </a:cxn>
+            </a:cxnLst>
+            <a:rect l="l" t="t" r="r" b="b"/>
+            <a:pathLst>
+              <a:path w="6693455" h="1511306">
+                <a:moveTo>
+                  <a:pt x="2147981" y="0"/>
+                </a:moveTo>
+                <a:lnTo>
+                  <a:pt x="6693455" y="0"/>
+                </a:lnTo>
+                <a:lnTo>
+                  <a:pt x="5995838" y="1511301"/>
+                </a:lnTo>
+                <a:lnTo>
+                  <a:pt x="2147982" y="1511301"/>
+                </a:lnTo>
+                <a:lnTo>
+                  <a:pt x="2147982" y="1511304"/>
+                </a:lnTo>
+                <a:lnTo>
+                  <a:pt x="680261" y="1511304"/>
+                </a:lnTo>
+                <a:lnTo>
+                  <a:pt x="680261" y="1511306"/>
+                </a:lnTo>
+                <a:lnTo>
+                  <a:pt x="0" y="1511306"/>
+                </a:lnTo>
+                <a:lnTo>
+                  <a:pt x="0" y="2"/>
+                </a:lnTo>
+                <a:lnTo>
+                  <a:pt x="680261" y="2"/>
+                </a:lnTo>
+                <a:lnTo>
+                  <a:pt x="680261" y="2544"/>
+                </a:lnTo>
+                <a:lnTo>
+                  <a:pt x="2147981" y="2544"/>
+                </a:lnTo>
+                <a:close/>
+              </a:path>
+            </a:pathLst>
+          </a:custGeom>
+          <a:solidFill>
+            <a:schemeClr val="bg1">
+              <a:lumMod val="85000"/>
+            </a:schemeClr>
+          </a:solidFill>
+          <a:ln>
+            <a:noFill/>
+          </a:ln>
+        </p:spPr>
+        <p:style>
+          <a:lnRef idx="2">
+            <a:schemeClr val="accent1">
+              <a:shade val="50000"/>
+            </a:schemeClr>
+          </a:lnRef>
+          <a:fillRef idx="1">
+            <a:schemeClr val="accent1"/>
+          </a:fillRef>
+          <a:effectRef idx="0">
+            <a:schemeClr val="accent1"/>
+          </a:effectRef>
+          <a:fontRef idx="minor">
+            <a:schemeClr val="lt1"/>
+          </a:fontRef>
+        </p:style>
+        <p:txBody>
+          <a:bodyPr rtlCol="0" anchor="ctr"/>
+          <a:lstStyle/>
+          <a:p>
+            <a:pPr algn="ctr"/>
+            <a:endParaRPr lang="en-US">
+              <a:solidFill>
+                <a:schemeClr val="tx1">
+                  <a:lumMod val="85000"/>
+                </a:schemeClr>
+              </a:solidFill>
+            </a:endParaRPr>
+          </a:p>
+        </p:txBody>
+      </p:sp>
+      <p:sp>
+        <p:nvSpPr>
+          <p:cNvPr id="2" name="Title 1">
+            <a:extLst>
+              <a:ext uri="{FF2B5EF4-FFF2-40B4-BE49-F238E27FC236}">
+                <a16:creationId xmlns:a16="http://schemas.microsoft.com/office/drawing/2014/main" id="{3760EA8B-F575-D108-B465-2452FD6FF945}"/>
+              </a:ext>
+            </a:extLst>
+          </p:cNvPr>
+          <p:cNvSpPr>
+            <a:spLocks noGrp="1"/>
+          </p:cNvSpPr>
+          <p:nvPr>
+            <p:ph type="title"/>
+          </p:nvPr>
+        </p:nvSpPr>
+        <p:spPr>
+          <a:xfrm>
+            <a:off x="838200" y="365125"/>
+            <a:ext cx="5000812" cy="1143000"/>
+          </a:xfrm>
+        </p:spPr>
+        <p:txBody>
+          <a:bodyPr>
+            <a:normAutofit/>
+          </a:bodyPr>
+          <a:lstStyle/>
+          <a:p>
+            <a:endParaRPr lang="en-US"/>
+          </a:p>
+        </p:txBody>
+      </p:sp>
+      <p:sp>
+        <p:nvSpPr>
+          <p:cNvPr id="14" name="Freeform: Shape 13">
+            <a:extLst>
+              <a:ext uri="{FF2B5EF4-FFF2-40B4-BE49-F238E27FC236}">
+                <a16:creationId xmlns:a16="http://schemas.microsoft.com/office/drawing/2014/main" id="{31C81BFC-A665-4DFF-AFE8-B85ACB3E04B0}"/>
+              </a:ext>
+              <a:ext uri="{C183D7F6-B498-43B3-948B-1728B52AA6E4}">
+                <adec:decorative xmlns:adec="http://schemas.microsoft.com/office/drawing/2017/decorative" val="1"/>
+              </a:ext>
+            </a:extLst>
+          </p:cNvPr>
+          <p:cNvSpPr>
+            <a:spLocks noGrp="1" noRot="1" noChangeAspect="1" noMove="1" noResize="1" noEditPoints="1" noAdjustHandles="1" noChangeArrowheads="1" noChangeShapeType="1" noTextEdit="1"/>
+          </p:cNvSpPr>
+          <p:nvPr>
+            <p:extLst>
+              <p:ext uri="{386F3935-93C4-4BCD-93E2-E3B085C9AB24}">
+                <p16:designElem xmlns:p16="http://schemas.microsoft.com/office/powerpoint/2015/main" val="1"/>
+              </p:ext>
+            </p:extLst>
+          </p:nvPr>
+        </p:nvSpPr>
+        <p:spPr>
+          <a:xfrm>
+            <a:off x="1" y="1691640"/>
+            <a:ext cx="5931454" cy="5166360"/>
+          </a:xfrm>
+          <a:custGeom>
+            <a:avLst/>
+            <a:gdLst>
+              <a:gd name="connsiteX0" fmla="*/ 0 w 5931454"/>
+              <a:gd name="connsiteY0" fmla="*/ 0 h 5166360"/>
+              <a:gd name="connsiteX1" fmla="*/ 5931454 w 5931454"/>
+              <a:gd name="connsiteY1" fmla="*/ 0 h 5166360"/>
+              <a:gd name="connsiteX2" fmla="*/ 3537575 w 5931454"/>
+              <a:gd name="connsiteY2" fmla="*/ 5166360 h 5166360"/>
+              <a:gd name="connsiteX3" fmla="*/ 0 w 5931454"/>
+              <a:gd name="connsiteY3" fmla="*/ 5166360 h 5166360"/>
+            </a:gdLst>
+            <a:ahLst/>
+            <a:cxnLst>
+              <a:cxn ang="0">
+                <a:pos x="connsiteX0" y="connsiteY0"/>
+              </a:cxn>
+              <a:cxn ang="0">
+                <a:pos x="connsiteX1" y="connsiteY1"/>
+              </a:cxn>
+              <a:cxn ang="0">
+                <a:pos x="connsiteX2" y="connsiteY2"/>
+              </a:cxn>
+              <a:cxn ang="0">
+                <a:pos x="connsiteX3" y="connsiteY3"/>
+              </a:cxn>
+            </a:cxnLst>
+            <a:rect l="l" t="t" r="r" b="b"/>
+            <a:pathLst>
+              <a:path w="5931454" h="5166360">
+                <a:moveTo>
+                  <a:pt x="0" y="0"/>
+                </a:moveTo>
+                <a:lnTo>
+                  <a:pt x="5931454" y="0"/>
+                </a:lnTo>
+                <a:lnTo>
+                  <a:pt x="3537575" y="5166360"/>
+                </a:lnTo>
+                <a:lnTo>
+                  <a:pt x="0" y="5166360"/>
+                </a:lnTo>
+                <a:close/>
+              </a:path>
+            </a:pathLst>
+          </a:custGeom>
+          <a:solidFill>
+            <a:srgbClr val="303030"/>
+          </a:solidFill>
+          <a:ln>
+            <a:noFill/>
+          </a:ln>
+        </p:spPr>
+        <p:style>
+          <a:lnRef idx="2">
+            <a:schemeClr val="accent1">
+              <a:shade val="50000"/>
+            </a:schemeClr>
+          </a:lnRef>
+          <a:fillRef idx="1">
+            <a:schemeClr val="accent1"/>
+          </a:fillRef>
+          <a:effectRef idx="0">
+            <a:schemeClr val="accent1"/>
+          </a:effectRef>
+          <a:fontRef idx="minor">
+            <a:schemeClr val="lt1"/>
+          </a:fontRef>
+        </p:style>
+        <p:txBody>
+          <a:bodyPr wrap="square" rtlCol="0" anchor="ctr">
+            <a:noAutofit/>
+          </a:bodyPr>
+          <a:lstStyle/>
+          <a:p>
+            <a:pPr algn="ctr"/>
+            <a:endParaRPr lang="en-US"/>
+          </a:p>
+        </p:txBody>
+      </p:sp>
+      <p:sp>
+        <p:nvSpPr>
+          <p:cNvPr id="3" name="Content Placeholder 2">
+            <a:extLst>
+              <a:ext uri="{FF2B5EF4-FFF2-40B4-BE49-F238E27FC236}">
+                <a16:creationId xmlns:a16="http://schemas.microsoft.com/office/drawing/2014/main" id="{D2AEFB22-81A6-EBA9-9B4D-C7EA74FF3BCC}"/>
+              </a:ext>
+            </a:extLst>
+          </p:cNvPr>
+          <p:cNvSpPr>
+            <a:spLocks noGrp="1"/>
+          </p:cNvSpPr>
+          <p:nvPr>
+            <p:ph idx="1"/>
+          </p:nvPr>
+        </p:nvSpPr>
+        <p:spPr>
+          <a:xfrm>
+            <a:off x="838200" y="2176272"/>
+            <a:ext cx="3339353" cy="3639312"/>
+          </a:xfrm>
+        </p:spPr>
+        <p:txBody>
+          <a:bodyPr anchor="ctr">
+            <a:normAutofit/>
+          </a:bodyPr>
+          <a:lstStyle/>
+          <a:p>
+            <a:endParaRPr lang="en-US" sz="2000">
+              <a:solidFill>
+                <a:srgbClr val="FFFFFF"/>
+              </a:solidFill>
+            </a:endParaRPr>
+          </a:p>
+        </p:txBody>
+      </p:sp>
+      <p:pic>
+        <p:nvPicPr>
+          <p:cNvPr id="5" name="Picture 4">
+            <a:extLst>
+              <a:ext uri="{FF2B5EF4-FFF2-40B4-BE49-F238E27FC236}">
+                <a16:creationId xmlns:a16="http://schemas.microsoft.com/office/drawing/2014/main" id="{70BBC19A-A15F-5382-7362-8438D61B996E}"/>
+              </a:ext>
+            </a:extLst>
+          </p:cNvPr>
+          <p:cNvPicPr>
+            <a:picLocks noChangeAspect="1"/>
+          </p:cNvPicPr>
+          <p:nvPr/>
+        </p:nvPicPr>
+        <p:blipFill>
+          <a:blip r:embed="rId2"/>
+          <a:stretch>
+            <a:fillRect/>
+          </a:stretch>
+        </p:blipFill>
+        <p:spPr>
+          <a:xfrm>
+            <a:off x="7226437" y="912192"/>
+            <a:ext cx="4495300" cy="1966694"/>
+          </a:xfrm>
+          <a:custGeom>
+            <a:avLst/>
+            <a:gdLst/>
+            <a:ahLst/>
+            <a:cxnLst/>
+            <a:rect l="l" t="t" r="r" b="b"/>
+            <a:pathLst>
+              <a:path w="4636009" h="5032375">
+                <a:moveTo>
+                  <a:pt x="0" y="0"/>
+                </a:moveTo>
+                <a:lnTo>
+                  <a:pt x="4636009" y="0"/>
+                </a:lnTo>
+                <a:lnTo>
+                  <a:pt x="4636009" y="5032375"/>
+                </a:lnTo>
+                <a:lnTo>
+                  <a:pt x="0" y="5032375"/>
+                </a:lnTo>
+                <a:close/>
+              </a:path>
+            </a:pathLst>
+          </a:custGeom>
+        </p:spPr>
+      </p:pic>
+      <p:pic>
+        <p:nvPicPr>
+          <p:cNvPr id="7" name="Picture 6">
+            <a:extLst>
+              <a:ext uri="{FF2B5EF4-FFF2-40B4-BE49-F238E27FC236}">
+                <a16:creationId xmlns:a16="http://schemas.microsoft.com/office/drawing/2014/main" id="{2A51C450-AE66-C52E-5A84-12FE32899B28}"/>
+              </a:ext>
+            </a:extLst>
+          </p:cNvPr>
+          <p:cNvPicPr>
+            <a:picLocks noChangeAspect="1"/>
+          </p:cNvPicPr>
+          <p:nvPr/>
+        </p:nvPicPr>
+        <p:blipFill>
+          <a:blip r:embed="rId3"/>
+          <a:stretch>
+            <a:fillRect/>
+          </a:stretch>
+        </p:blipFill>
+        <p:spPr>
+          <a:xfrm>
+            <a:off x="6132111" y="3446170"/>
+            <a:ext cx="5589626" cy="2305720"/>
+          </a:xfrm>
+          <a:custGeom>
+            <a:avLst/>
+            <a:gdLst/>
+            <a:ahLst/>
+            <a:cxnLst/>
+            <a:rect l="l" t="t" r="r" b="b"/>
+            <a:pathLst>
+              <a:path w="4636009" h="5032375">
+                <a:moveTo>
+                  <a:pt x="0" y="0"/>
+                </a:moveTo>
+                <a:lnTo>
+                  <a:pt x="4636009" y="0"/>
+                </a:lnTo>
+                <a:lnTo>
+                  <a:pt x="4636009" y="5032375"/>
+                </a:lnTo>
+                <a:lnTo>
+                  <a:pt x="0" y="5032375"/>
+                </a:lnTo>
+                <a:close/>
+              </a:path>
+            </a:pathLst>
+          </a:custGeom>
+        </p:spPr>
+      </p:pic>
+    </p:spTree>
+    <p:extLst>
+      <p:ext uri="{BB962C8B-B14F-4D97-AF65-F5344CB8AC3E}">
+        <p14:creationId xmlns:p14="http://schemas.microsoft.com/office/powerpoint/2010/main" val="2305195767"/>
+      </p:ext>
+    </p:extLst>
+  </p:cSld>
+  <p:clrMapOvr>
+    <a:masterClrMapping/>
+  </p:clrMapOvr>
+</p:sld>
+</file>
+
+<file path=ppt/slides/slide7.xml><?xml version="1.0" encoding="utf-8"?>
+<p:sld xmlns:a="http://schemas.openxmlformats.org/drawingml/2006/main" xmlns:r="http://schemas.openxmlformats.org/officeDocument/2006/relationships" xmlns:p="http://schemas.openxmlformats.org/presentationml/2006/main">
+  <p:cSld>
+    <p:bg>
+      <p:bgPr>
+        <a:solidFill>
+          <a:schemeClr val="bg1"/>
+        </a:solidFill>
+        <a:effectLst/>
+      </p:bgPr>
+    </p:bg>
+    <p:spTree>
+      <p:nvGrpSpPr>
+        <p:cNvPr id="1" name=""/>
+        <p:cNvGrpSpPr/>
+        <p:nvPr/>
+      </p:nvGrpSpPr>
+      <p:grpSpPr>
+        <a:xfrm>
+          <a:off x="0" y="0"/>
+          <a:ext cx="0" cy="0"/>
+          <a:chOff x="0" y="0"/>
+          <a:chExt cx="0" cy="0"/>
+        </a:xfrm>
+      </p:grpSpPr>
+      <p:sp>
+        <p:nvSpPr>
+          <p:cNvPr id="10" name="Rectangle 9">
+            <a:extLst>
+              <a:ext uri="{FF2B5EF4-FFF2-40B4-BE49-F238E27FC236}">
+                <a16:creationId xmlns:a16="http://schemas.microsoft.com/office/drawing/2014/main" id="{F3060C83-F051-4F0E-ABAD-AA0DFC48B218}"/>
+              </a:ext>
+              <a:ext uri="{C183D7F6-B498-43B3-948B-1728B52AA6E4}">
+                <adec:decorative xmlns:adec="http://schemas.microsoft.com/office/drawing/2017/decorative" val="1"/>
+              </a:ext>
+            </a:extLst>
+          </p:cNvPr>
+          <p:cNvSpPr>
+            <a:spLocks noGrp="1" noRot="1" noChangeAspect="1" noMove="1" noResize="1" noEditPoints="1" noAdjustHandles="1" noChangeArrowheads="1" noChangeShapeType="1" noTextEdit="1"/>
+          </p:cNvSpPr>
+          <p:nvPr>
+            <p:extLst>
+              <p:ext uri="{386F3935-93C4-4BCD-93E2-E3B085C9AB24}">
+                <p16:designElem xmlns:p16="http://schemas.microsoft.com/office/powerpoint/2015/main" val="1"/>
+              </p:ext>
+            </p:extLst>
+          </p:nvPr>
+        </p:nvSpPr>
+        <p:spPr>
+          <a:xfrm>
+            <a:off x="0" y="0"/>
+            <a:ext cx="12192000" cy="6858000"/>
+          </a:xfrm>
+          <a:prstGeom prst="rect">
+            <a:avLst/>
+          </a:prstGeom>
+          <a:solidFill>
+            <a:schemeClr val="bg1"/>
+          </a:solidFill>
+          <a:ln>
+            <a:noFill/>
+          </a:ln>
+        </p:spPr>
+        <p:style>
+          <a:lnRef idx="2">
+            <a:schemeClr val="accent1">
+              <a:shade val="50000"/>
+            </a:schemeClr>
+          </a:lnRef>
+          <a:fillRef idx="1">
+            <a:schemeClr val="accent1"/>
+          </a:fillRef>
+          <a:effectRef idx="0">
+            <a:schemeClr val="accent1"/>
+          </a:effectRef>
+          <a:fontRef idx="minor">
+            <a:schemeClr val="lt1"/>
+          </a:fontRef>
+        </p:style>
+        <p:txBody>
+          <a:bodyPr rtlCol="0" anchor="ctr"/>
+          <a:lstStyle/>
+          <a:p>
+            <a:pPr algn="ctr"/>
+            <a:endParaRPr lang="en-US" dirty="0"/>
+          </a:p>
+        </p:txBody>
+      </p:sp>
+      <p:sp>
+        <p:nvSpPr>
+          <p:cNvPr id="12" name="Freeform: Shape 11">
+            <a:extLst>
+              <a:ext uri="{FF2B5EF4-FFF2-40B4-BE49-F238E27FC236}">
+                <a16:creationId xmlns:a16="http://schemas.microsoft.com/office/drawing/2014/main" id="{83C98ABE-055B-441F-B07E-44F97F083C39}"/>
+              </a:ext>
+              <a:ext uri="{C183D7F6-B498-43B3-948B-1728B52AA6E4}">
+                <adec:decorative xmlns:adec="http://schemas.microsoft.com/office/drawing/2017/decorative" val="1"/>
+              </a:ext>
+            </a:extLst>
+          </p:cNvPr>
+          <p:cNvSpPr>
+            <a:spLocks noGrp="1" noRot="1" noChangeAspect="1" noMove="1" noResize="1" noEditPoints="1" noAdjustHandles="1" noChangeArrowheads="1" noChangeShapeType="1" noTextEdit="1"/>
+          </p:cNvSpPr>
+          <p:nvPr>
+            <p:extLst>
+              <p:ext uri="{386F3935-93C4-4BCD-93E2-E3B085C9AB24}">
+                <p16:designElem xmlns:p16="http://schemas.microsoft.com/office/powerpoint/2015/main" val="1"/>
+              </p:ext>
+            </p:extLst>
+          </p:nvPr>
+        </p:nvSpPr>
+        <p:spPr>
+          <a:xfrm rot="18900000" flipH="1">
+            <a:off x="-376156" y="-253670"/>
+            <a:ext cx="1827638" cy="1376989"/>
+          </a:xfrm>
+          <a:custGeom>
+            <a:avLst/>
+            <a:gdLst>
+              <a:gd name="connsiteX0" fmla="*/ 0 w 1827638"/>
+              <a:gd name="connsiteY0" fmla="*/ 987379 h 1376989"/>
+              <a:gd name="connsiteX1" fmla="*/ 987379 w 1827638"/>
+              <a:gd name="connsiteY1" fmla="*/ 0 h 1376989"/>
+              <a:gd name="connsiteX2" fmla="*/ 1827638 w 1827638"/>
+              <a:gd name="connsiteY2" fmla="*/ 840260 h 1376989"/>
+              <a:gd name="connsiteX3" fmla="*/ 1827638 w 1827638"/>
+              <a:gd name="connsiteY3" fmla="*/ 1376989 h 1376989"/>
+              <a:gd name="connsiteX4" fmla="*/ 0 w 1827638"/>
+              <a:gd name="connsiteY4" fmla="*/ 1376989 h 1376989"/>
+            </a:gdLst>
+            <a:ahLst/>
+            <a:cxnLst>
+              <a:cxn ang="0">
+                <a:pos x="connsiteX0" y="connsiteY0"/>
+              </a:cxn>
+              <a:cxn ang="0">
+                <a:pos x="connsiteX1" y="connsiteY1"/>
+              </a:cxn>
+              <a:cxn ang="0">
+                <a:pos x="connsiteX2" y="connsiteY2"/>
+              </a:cxn>
+              <a:cxn ang="0">
+                <a:pos x="connsiteX3" y="connsiteY3"/>
+              </a:cxn>
+              <a:cxn ang="0">
+                <a:pos x="connsiteX4" y="connsiteY4"/>
+              </a:cxn>
+            </a:cxnLst>
+            <a:rect l="l" t="t" r="r" b="b"/>
+            <a:pathLst>
+              <a:path w="1827638" h="1376989">
+                <a:moveTo>
+                  <a:pt x="0" y="987379"/>
+                </a:moveTo>
+                <a:lnTo>
+                  <a:pt x="987379" y="0"/>
+                </a:lnTo>
+                <a:lnTo>
+                  <a:pt x="1827638" y="840260"/>
+                </a:lnTo>
+                <a:lnTo>
+                  <a:pt x="1827638" y="1376989"/>
+                </a:lnTo>
+                <a:lnTo>
+                  <a:pt x="0" y="1376989"/>
+                </a:lnTo>
+                <a:close/>
+              </a:path>
+            </a:pathLst>
+          </a:custGeom>
+          <a:solidFill>
+            <a:schemeClr val="accent1">
+              <a:alpha val="30000"/>
+            </a:schemeClr>
+          </a:solidFill>
+          <a:ln>
+            <a:noFill/>
+          </a:ln>
+        </p:spPr>
+        <p:style>
+          <a:lnRef idx="2">
+            <a:schemeClr val="accent1">
+              <a:shade val="50000"/>
+            </a:schemeClr>
+          </a:lnRef>
+          <a:fillRef idx="1">
+            <a:schemeClr val="accent1"/>
+          </a:fillRef>
+          <a:effectRef idx="0">
+            <a:schemeClr val="accent1"/>
+          </a:effectRef>
+          <a:fontRef idx="minor">
+            <a:schemeClr val="lt1"/>
+          </a:fontRef>
+        </p:style>
+        <p:txBody>
+          <a:bodyPr rtlCol="0" anchor="ctr"/>
+          <a:lstStyle/>
+          <a:p>
+            <a:pPr algn="ctr"/>
+            <a:endParaRPr lang="en-US" dirty="0"/>
+          </a:p>
+        </p:txBody>
+      </p:sp>
+      <p:sp>
+        <p:nvSpPr>
+          <p:cNvPr id="14" name="Rectangle 13">
+            <a:extLst>
+              <a:ext uri="{FF2B5EF4-FFF2-40B4-BE49-F238E27FC236}">
+                <a16:creationId xmlns:a16="http://schemas.microsoft.com/office/drawing/2014/main" id="{29FDB030-9B49-4CED-8CCD-4D99382388AC}"/>
+              </a:ext>
+              <a:ext uri="{C183D7F6-B498-43B3-948B-1728B52AA6E4}">
+                <adec:decorative xmlns:adec="http://schemas.microsoft.com/office/drawing/2017/decorative" val="1"/>
+              </a:ext>
+            </a:extLst>
+          </p:cNvPr>
+          <p:cNvSpPr>
+            <a:spLocks noGrp="1" noRot="1" noChangeAspect="1" noMove="1" noResize="1" noEditPoints="1" noAdjustHandles="1" noChangeArrowheads="1" noChangeShapeType="1" noTextEdit="1"/>
+          </p:cNvSpPr>
+          <p:nvPr>
+            <p:extLst>
+              <p:ext uri="{386F3935-93C4-4BCD-93E2-E3B085C9AB24}">
+                <p16:designElem xmlns:p16="http://schemas.microsoft.com/office/powerpoint/2015/main" val="1"/>
+              </p:ext>
+            </p:extLst>
+          </p:nvPr>
+        </p:nvSpPr>
+        <p:spPr>
+          <a:xfrm rot="18900000" flipH="1">
+            <a:off x="891641" y="422146"/>
+            <a:ext cx="645368" cy="645368"/>
+          </a:xfrm>
+          <a:prstGeom prst="rect">
+            <a:avLst/>
+          </a:prstGeom>
+          <a:solidFill>
+            <a:schemeClr val="accent1">
+              <a:alpha val="30000"/>
+            </a:schemeClr>
+          </a:solidFill>
+          <a:ln>
+            <a:noFill/>
+          </a:ln>
+        </p:spPr>
+        <p:style>
+          <a:lnRef idx="2">
+            <a:schemeClr val="accent1">
+              <a:shade val="50000"/>
+            </a:schemeClr>
+          </a:lnRef>
+          <a:fillRef idx="1">
+            <a:schemeClr val="accent1"/>
+          </a:fillRef>
+          <a:effectRef idx="0">
+            <a:schemeClr val="accent1"/>
+          </a:effectRef>
+          <a:fontRef idx="minor">
+            <a:schemeClr val="lt1"/>
+          </a:fontRef>
+        </p:style>
+        <p:txBody>
+          <a:bodyPr rtlCol="0" anchor="ctr"/>
+          <a:lstStyle/>
+          <a:p>
+            <a:pPr algn="ctr"/>
+            <a:endParaRPr lang="en-US"/>
+          </a:p>
+        </p:txBody>
+      </p:sp>
+      <p:sp>
+        <p:nvSpPr>
+          <p:cNvPr id="16" name="Rectangle 15">
+            <a:extLst>
+              <a:ext uri="{FF2B5EF4-FFF2-40B4-BE49-F238E27FC236}">
+                <a16:creationId xmlns:a16="http://schemas.microsoft.com/office/drawing/2014/main" id="{3783CA14-24A1-485C-8B30-D6A5D87987AD}"/>
+              </a:ext>
+              <a:ext uri="{C183D7F6-B498-43B3-948B-1728B52AA6E4}">
+                <adec:decorative xmlns:adec="http://schemas.microsoft.com/office/drawing/2017/decorative" val="1"/>
+              </a:ext>
+            </a:extLst>
+          </p:cNvPr>
+          <p:cNvSpPr>
+            <a:spLocks noGrp="1" noRot="1" noChangeAspect="1" noMove="1" noResize="1" noEditPoints="1" noAdjustHandles="1" noChangeArrowheads="1" noChangeShapeType="1" noTextEdit="1"/>
+          </p:cNvSpPr>
+          <p:nvPr>
+            <p:extLst>
+              <p:ext uri="{386F3935-93C4-4BCD-93E2-E3B085C9AB24}">
+                <p16:designElem xmlns:p16="http://schemas.microsoft.com/office/powerpoint/2015/main" val="1"/>
+              </p:ext>
+            </p:extLst>
+          </p:nvPr>
+        </p:nvSpPr>
+        <p:spPr>
+          <a:xfrm rot="18900000" flipH="1">
+            <a:off x="10043482" y="655140"/>
+            <a:ext cx="687472" cy="687472"/>
+          </a:xfrm>
+          <a:prstGeom prst="rect">
+            <a:avLst/>
+          </a:prstGeom>
+          <a:solidFill>
+            <a:schemeClr val="accent4">
+              <a:alpha val="30000"/>
+            </a:schemeClr>
+          </a:solidFill>
+          <a:ln>
+            <a:noFill/>
+          </a:ln>
+        </p:spPr>
+        <p:style>
+          <a:lnRef idx="2">
+            <a:schemeClr val="accent1">
+              <a:shade val="50000"/>
+            </a:schemeClr>
+          </a:lnRef>
+          <a:fillRef idx="1">
+            <a:schemeClr val="accent1"/>
+          </a:fillRef>
+          <a:effectRef idx="0">
+            <a:schemeClr val="accent1"/>
+          </a:effectRef>
+          <a:fontRef idx="minor">
+            <a:schemeClr val="lt1"/>
+          </a:fontRef>
+        </p:style>
+        <p:txBody>
+          <a:bodyPr rtlCol="0" anchor="ctr"/>
+          <a:lstStyle/>
+          <a:p>
+            <a:pPr algn="ctr"/>
+            <a:endParaRPr lang="en-US"/>
+          </a:p>
+        </p:txBody>
+      </p:sp>
+      <p:sp>
+        <p:nvSpPr>
+          <p:cNvPr id="18" name="Freeform: Shape 17">
+            <a:extLst>
+              <a:ext uri="{FF2B5EF4-FFF2-40B4-BE49-F238E27FC236}">
+                <a16:creationId xmlns:a16="http://schemas.microsoft.com/office/drawing/2014/main" id="{9A97C86A-04D6-40F7-AE84-31AB43E6A846}"/>
+              </a:ext>
+              <a:ext uri="{C183D7F6-B498-43B3-948B-1728B52AA6E4}">
+                <adec:decorative xmlns:adec="http://schemas.microsoft.com/office/drawing/2017/decorative" val="1"/>
+              </a:ext>
+            </a:extLst>
+          </p:cNvPr>
+          <p:cNvSpPr>
+            <a:spLocks noGrp="1" noRot="1" noChangeAspect="1" noMove="1" noResize="1" noEditPoints="1" noAdjustHandles="1" noChangeArrowheads="1" noChangeShapeType="1" noTextEdit="1"/>
+          </p:cNvSpPr>
+          <p:nvPr>
+            <p:extLst>
+              <p:ext uri="{386F3935-93C4-4BCD-93E2-E3B085C9AB24}">
+                <p16:designElem xmlns:p16="http://schemas.microsoft.com/office/powerpoint/2015/main" val="1"/>
+              </p:ext>
+            </p:extLst>
+          </p:nvPr>
+        </p:nvSpPr>
+        <p:spPr>
+          <a:xfrm rot="10800000" flipH="1">
+            <a:off x="9356643" y="0"/>
+            <a:ext cx="2835357" cy="1480837"/>
+          </a:xfrm>
+          <a:custGeom>
+            <a:avLst/>
+            <a:gdLst>
+              <a:gd name="connsiteX0" fmla="*/ 2835357 w 2835357"/>
+              <a:gd name="connsiteY0" fmla="*/ 1480837 h 1480837"/>
+              <a:gd name="connsiteX1" fmla="*/ 0 w 2835357"/>
+              <a:gd name="connsiteY1" fmla="*/ 1480837 h 1480837"/>
+              <a:gd name="connsiteX2" fmla="*/ 1552727 w 2835357"/>
+              <a:gd name="connsiteY2" fmla="*/ 0 h 1480837"/>
+              <a:gd name="connsiteX3" fmla="*/ 2835357 w 2835357"/>
+              <a:gd name="connsiteY3" fmla="*/ 1223245 h 1480837"/>
+            </a:gdLst>
+            <a:ahLst/>
+            <a:cxnLst>
+              <a:cxn ang="0">
+                <a:pos x="connsiteX0" y="connsiteY0"/>
+              </a:cxn>
+              <a:cxn ang="0">
+                <a:pos x="connsiteX1" y="connsiteY1"/>
+              </a:cxn>
+              <a:cxn ang="0">
+                <a:pos x="connsiteX2" y="connsiteY2"/>
+              </a:cxn>
+              <a:cxn ang="0">
+                <a:pos x="connsiteX3" y="connsiteY3"/>
+              </a:cxn>
+            </a:cxnLst>
+            <a:rect l="l" t="t" r="r" b="b"/>
+            <a:pathLst>
+              <a:path w="2835357" h="1480837">
+                <a:moveTo>
+                  <a:pt x="2835357" y="1480837"/>
+                </a:moveTo>
+                <a:lnTo>
+                  <a:pt x="0" y="1480837"/>
+                </a:lnTo>
+                <a:lnTo>
+                  <a:pt x="1552727" y="0"/>
+                </a:lnTo>
+                <a:lnTo>
+                  <a:pt x="2835357" y="1223245"/>
+                </a:lnTo>
+                <a:close/>
+              </a:path>
+            </a:pathLst>
+          </a:custGeom>
+          <a:solidFill>
+            <a:schemeClr val="accent4">
+              <a:alpha val="30000"/>
+            </a:schemeClr>
+          </a:solidFill>
+          <a:ln>
+            <a:noFill/>
+          </a:ln>
+        </p:spPr>
+        <p:style>
+          <a:lnRef idx="2">
+            <a:schemeClr val="accent1">
+              <a:shade val="50000"/>
+            </a:schemeClr>
+          </a:lnRef>
+          <a:fillRef idx="1">
+            <a:schemeClr val="accent1"/>
+          </a:fillRef>
+          <a:effectRef idx="0">
+            <a:schemeClr val="accent1"/>
+          </a:effectRef>
+          <a:fontRef idx="minor">
+            <a:schemeClr val="lt1"/>
+          </a:fontRef>
+        </p:style>
+        <p:txBody>
+          <a:bodyPr wrap="square" rtlCol="0" anchor="ctr">
+            <a:noAutofit/>
+          </a:bodyPr>
+          <a:lstStyle/>
+          <a:p>
+            <a:pPr algn="ctr"/>
+            <a:endParaRPr lang="en-US" dirty="0"/>
+          </a:p>
+        </p:txBody>
+      </p:sp>
+      <p:sp>
+        <p:nvSpPr>
+          <p:cNvPr id="20" name="Isosceles Triangle 19">
+            <a:extLst>
+              <a:ext uri="{FF2B5EF4-FFF2-40B4-BE49-F238E27FC236}">
+                <a16:creationId xmlns:a16="http://schemas.microsoft.com/office/drawing/2014/main" id="{FF9F2414-84E8-453E-B1F3-389FDE8192D9}"/>
+              </a:ext>
+              <a:ext uri="{C183D7F6-B498-43B3-948B-1728B52AA6E4}">
+                <adec:decorative xmlns:adec="http://schemas.microsoft.com/office/drawing/2017/decorative" val="1"/>
+              </a:ext>
+            </a:extLst>
+          </p:cNvPr>
+          <p:cNvSpPr>
+            <a:spLocks noGrp="1" noRot="1" noChangeAspect="1" noMove="1" noResize="1" noEditPoints="1" noAdjustHandles="1" noChangeArrowheads="1" noChangeShapeType="1" noTextEdit="1"/>
+          </p:cNvSpPr>
+          <p:nvPr>
+            <p:extLst>
+              <p:ext uri="{386F3935-93C4-4BCD-93E2-E3B085C9AB24}">
+                <p16:designElem xmlns:p16="http://schemas.microsoft.com/office/powerpoint/2015/main" val="1"/>
+              </p:ext>
+            </p:extLst>
+          </p:nvPr>
+        </p:nvSpPr>
+        <p:spPr>
+          <a:xfrm flipH="1">
+            <a:off x="7976344" y="6115501"/>
+            <a:ext cx="1494513" cy="742499"/>
+          </a:xfrm>
+          <a:prstGeom prst="triangle">
+            <a:avLst/>
+          </a:prstGeom>
+          <a:solidFill>
+            <a:schemeClr val="accent1">
+              <a:alpha val="30000"/>
+            </a:schemeClr>
+          </a:solidFill>
+          <a:ln>
+            <a:noFill/>
+          </a:ln>
+        </p:spPr>
+        <p:style>
+          <a:lnRef idx="2">
+            <a:schemeClr val="accent1">
+              <a:shade val="50000"/>
+            </a:schemeClr>
+          </a:lnRef>
+          <a:fillRef idx="1">
+            <a:schemeClr val="accent1"/>
+          </a:fillRef>
+          <a:effectRef idx="0">
+            <a:schemeClr val="accent1"/>
+          </a:effectRef>
+          <a:fontRef idx="minor">
+            <a:schemeClr val="lt1"/>
+          </a:fontRef>
+        </p:style>
+        <p:txBody>
+          <a:bodyPr rtlCol="0" anchor="ctr"/>
+          <a:lstStyle/>
+          <a:p>
+            <a:pPr algn="ctr"/>
+            <a:endParaRPr lang="en-US"/>
+          </a:p>
+        </p:txBody>
+      </p:sp>
+      <p:pic>
+        <p:nvPicPr>
+          <p:cNvPr id="5" name="Content Placeholder 4">
+            <a:extLst>
+              <a:ext uri="{FF2B5EF4-FFF2-40B4-BE49-F238E27FC236}">
+                <a16:creationId xmlns:a16="http://schemas.microsoft.com/office/drawing/2014/main" id="{E72D7436-68AF-E855-BC9B-AE50BEF7F2D1}"/>
+              </a:ext>
+            </a:extLst>
+          </p:cNvPr>
+          <p:cNvPicPr>
+            <a:picLocks noGrp="1" noChangeAspect="1"/>
+          </p:cNvPicPr>
+          <p:nvPr>
+            <p:ph idx="1"/>
+          </p:nvPr>
+        </p:nvPicPr>
+        <p:blipFill>
+          <a:blip r:embed="rId2"/>
+          <a:stretch>
+            <a:fillRect/>
+          </a:stretch>
+        </p:blipFill>
+        <p:spPr>
+          <a:xfrm>
+            <a:off x="643467" y="1765976"/>
+            <a:ext cx="10905066" cy="3326046"/>
+          </a:xfrm>
+          <a:prstGeom prst="rect">
+            <a:avLst/>
+          </a:prstGeom>
+          <a:ln>
+            <a:noFill/>
+          </a:ln>
+        </p:spPr>
+      </p:pic>
+      <p:sp>
+        <p:nvSpPr>
+          <p:cNvPr id="22" name="Isosceles Triangle 21">
+            <a:extLst>
+              <a:ext uri="{FF2B5EF4-FFF2-40B4-BE49-F238E27FC236}">
+                <a16:creationId xmlns:a16="http://schemas.microsoft.com/office/drawing/2014/main" id="{3ECA69A1-7536-43AC-85EF-C7106179F5ED}"/>
+              </a:ext>
+              <a:ext uri="{C183D7F6-B498-43B3-948B-1728B52AA6E4}">
+                <adec:decorative xmlns:adec="http://schemas.microsoft.com/office/drawing/2017/decorative" val="1"/>
+              </a:ext>
+            </a:extLst>
+          </p:cNvPr>
+          <p:cNvSpPr>
+            <a:spLocks noGrp="1" noRot="1" noChangeAspect="1" noMove="1" noResize="1" noEditPoints="1" noAdjustHandles="1" noChangeArrowheads="1" noChangeShapeType="1" noTextEdit="1"/>
+          </p:cNvSpPr>
+          <p:nvPr>
+            <p:extLst>
+              <p:ext uri="{386F3935-93C4-4BCD-93E2-E3B085C9AB24}">
+                <p16:designElem xmlns:p16="http://schemas.microsoft.com/office/powerpoint/2015/main" val="1"/>
+              </p:ext>
+            </p:extLst>
+          </p:nvPr>
+        </p:nvSpPr>
+        <p:spPr>
+          <a:xfrm flipH="1">
+            <a:off x="7604080" y="6453143"/>
+            <a:ext cx="814903" cy="404857"/>
+          </a:xfrm>
+          <a:prstGeom prst="triangle">
+            <a:avLst/>
+          </a:prstGeom>
+          <a:solidFill>
+            <a:schemeClr val="accent1">
+              <a:alpha val="30000"/>
+            </a:schemeClr>
+          </a:solidFill>
+          <a:ln>
+            <a:noFill/>
+          </a:ln>
+        </p:spPr>
+        <p:style>
+          <a:lnRef idx="2">
+            <a:schemeClr val="accent1">
+              <a:shade val="50000"/>
+            </a:schemeClr>
+          </a:lnRef>
+          <a:fillRef idx="1">
+            <a:schemeClr val="accent1"/>
+          </a:fillRef>
+          <a:effectRef idx="0">
+            <a:schemeClr val="accent1"/>
+          </a:effectRef>
+          <a:fontRef idx="minor">
+            <a:schemeClr val="lt1"/>
+          </a:fontRef>
+        </p:style>
+        <p:txBody>
+          <a:bodyPr rtlCol="0" anchor="ctr"/>
+          <a:lstStyle/>
+          <a:p>
+            <a:pPr algn="ctr"/>
+            <a:endParaRPr lang="en-US"/>
+          </a:p>
+        </p:txBody>
+      </p:sp>
+    </p:spTree>
+    <p:extLst>
+      <p:ext uri="{BB962C8B-B14F-4D97-AF65-F5344CB8AC3E}">
+        <p14:creationId xmlns:p14="http://schemas.microsoft.com/office/powerpoint/2010/main" val="975191138"/>
+      </p:ext>
+    </p:extLst>
+  </p:cSld>
+  <p:clrMapOvr>
+    <a:masterClrMapping/>
+  </p:clrMapOvr>
+</p:sld>
+</file>
+
+<file path=ppt/slides/slide8.xml><?xml version="1.0" encoding="utf-8"?>
+<p:sld xmlns:a="http://schemas.openxmlformats.org/drawingml/2006/main" xmlns:r="http://schemas.openxmlformats.org/officeDocument/2006/relationships" xmlns:p="http://schemas.openxmlformats.org/presentationml/2006/main">
+  <p:cSld>
+    <p:bg>
+      <p:bgPr>
+        <a:solidFill>
+          <a:schemeClr val="bg1"/>
+        </a:solidFill>
+        <a:effectLst/>
+      </p:bgPr>
+    </p:bg>
+    <p:spTree>
+      <p:nvGrpSpPr>
+        <p:cNvPr id="1" name=""/>
+        <p:cNvGrpSpPr/>
+        <p:nvPr/>
+      </p:nvGrpSpPr>
+      <p:grpSpPr>
+        <a:xfrm>
+          <a:off x="0" y="0"/>
+          <a:ext cx="0" cy="0"/>
+          <a:chOff x="0" y="0"/>
+          <a:chExt cx="0" cy="0"/>
+        </a:xfrm>
+      </p:grpSpPr>
+      <p:sp>
+        <p:nvSpPr>
+          <p:cNvPr id="2057" name="Rectangle 2056">
+            <a:extLst>
+              <a:ext uri="{FF2B5EF4-FFF2-40B4-BE49-F238E27FC236}">
+                <a16:creationId xmlns:a16="http://schemas.microsoft.com/office/drawing/2014/main" id="{A9F529C3-C941-49FD-8C67-82F134F64BDB}"/>
+              </a:ext>
+              <a:ext uri="{C183D7F6-B498-43B3-948B-1728B52AA6E4}">
+                <adec:decorative xmlns:adec="http://schemas.microsoft.com/office/drawing/2017/decorative" val="1"/>
+              </a:ext>
+            </a:extLst>
+          </p:cNvPr>
+          <p:cNvSpPr>
+            <a:spLocks noGrp="1" noRot="1" noChangeAspect="1" noMove="1" noResize="1" noEditPoints="1" noAdjustHandles="1" noChangeArrowheads="1" noChangeShapeType="1" noTextEdit="1"/>
+          </p:cNvSpPr>
+          <p:nvPr>
+            <p:extLst>
+              <p:ext uri="{386F3935-93C4-4BCD-93E2-E3B085C9AB24}">
+                <p16:designElem xmlns:p16="http://schemas.microsoft.com/office/powerpoint/2015/main" val="1"/>
+              </p:ext>
+            </p:extLst>
+          </p:nvPr>
+        </p:nvSpPr>
+        <p:spPr>
+          <a:xfrm>
+            <a:off x="0" y="0"/>
+            <a:ext cx="12192000" cy="6858000"/>
+          </a:xfrm>
+          <a:prstGeom prst="rect">
+            <a:avLst/>
+          </a:prstGeom>
+          <a:solidFill>
+            <a:schemeClr val="tx1">
+              <a:lumMod val="50000"/>
+              <a:lumOff val="50000"/>
+              <a:alpha val="30000"/>
+            </a:schemeClr>
+          </a:solidFill>
+          <a:ln>
+            <a:noFill/>
+          </a:ln>
+        </p:spPr>
+        <p:style>
+          <a:lnRef idx="2">
+            <a:schemeClr val="accent1">
+              <a:shade val="50000"/>
+            </a:schemeClr>
+          </a:lnRef>
+          <a:fillRef idx="1">
+            <a:schemeClr val="accent1"/>
+          </a:fillRef>
+          <a:effectRef idx="0">
+            <a:schemeClr val="accent1"/>
+          </a:effectRef>
+          <a:fontRef idx="minor">
+            <a:schemeClr val="lt1"/>
+          </a:fontRef>
+        </p:style>
+        <p:txBody>
+          <a:bodyPr rtlCol="0" anchor="ctr"/>
+          <a:lstStyle/>
+          <a:p>
+            <a:pPr algn="ctr"/>
+            <a:endParaRPr lang="en-US"/>
+          </a:p>
+        </p:txBody>
+      </p:sp>
+      <p:sp>
+        <p:nvSpPr>
+          <p:cNvPr id="2059" name="Rectangle 2058">
+            <a:extLst>
+              <a:ext uri="{FF2B5EF4-FFF2-40B4-BE49-F238E27FC236}">
+                <a16:creationId xmlns:a16="http://schemas.microsoft.com/office/drawing/2014/main" id="{20586029-32A0-47E5-9AEC-AE3ABA6B94D0}"/>
+              </a:ext>
+              <a:ext uri="{C183D7F6-B498-43B3-948B-1728B52AA6E4}">
+                <adec:decorative xmlns:adec="http://schemas.microsoft.com/office/drawing/2017/decorative" val="1"/>
+              </a:ext>
+            </a:extLst>
+          </p:cNvPr>
+          <p:cNvSpPr>
+            <a:spLocks noGrp="1" noRot="1" noChangeAspect="1" noMove="1" noResize="1" noEditPoints="1" noAdjustHandles="1" noChangeArrowheads="1" noChangeShapeType="1" noTextEdit="1"/>
+          </p:cNvSpPr>
+          <p:nvPr>
+            <p:extLst>
+              <p:ext uri="{386F3935-93C4-4BCD-93E2-E3B085C9AB24}">
+                <p16:designElem xmlns:p16="http://schemas.microsoft.com/office/powerpoint/2015/main" val="1"/>
+              </p:ext>
+            </p:extLst>
+          </p:nvPr>
+        </p:nvSpPr>
+        <p:spPr>
+          <a:xfrm>
+            <a:off x="477012" y="480060"/>
+            <a:ext cx="11237976" cy="5897880"/>
+          </a:xfrm>
+          <a:prstGeom prst="rect">
+            <a:avLst/>
+          </a:prstGeom>
+          <a:solidFill>
+            <a:srgbClr val="FFFFFF"/>
+          </a:solidFill>
+          <a:ln w="9525">
+            <a:noFill/>
+          </a:ln>
+          <a:effectLst>
+            <a:outerShdw blurRad="63500" dist="17780" dir="5400000" algn="t" rotWithShape="0">
+              <a:prstClr val="black">
+                <a:alpha val="43000"/>
+              </a:prstClr>
+            </a:outerShdw>
+          </a:effectLst>
+        </p:spPr>
+        <p:style>
+          <a:lnRef idx="2">
+            <a:schemeClr val="accent1">
+              <a:shade val="50000"/>
+            </a:schemeClr>
+          </a:lnRef>
+          <a:fillRef idx="1">
+            <a:schemeClr val="accent1"/>
+          </a:fillRef>
+          <a:effectRef idx="0">
+            <a:schemeClr val="accent1"/>
+          </a:effectRef>
+          <a:fontRef idx="minor">
+            <a:schemeClr val="lt1"/>
+          </a:fontRef>
+        </p:style>
+        <p:txBody>
+          <a:bodyPr rtlCol="0" anchor="ctr"/>
+          <a:lstStyle/>
+          <a:p>
+            <a:pPr algn="ctr"/>
+            <a:endParaRPr lang="en-US"/>
+          </a:p>
+        </p:txBody>
+      </p:sp>
+      <p:pic>
+        <p:nvPicPr>
+          <p:cNvPr id="2052" name="Picture 4">
+            <a:extLst>
+              <a:ext uri="{FF2B5EF4-FFF2-40B4-BE49-F238E27FC236}">
+                <a16:creationId xmlns:a16="http://schemas.microsoft.com/office/drawing/2014/main" id="{CDE94E26-70D8-05A9-DC55-018883E102D5}"/>
+              </a:ext>
+            </a:extLst>
+          </p:cNvPr>
+          <p:cNvPicPr>
+            <a:picLocks noChangeAspect="1" noChangeArrowheads="1"/>
+          </p:cNvPicPr>
+          <p:nvPr/>
+        </p:nvPicPr>
+        <p:blipFill>
+          <a:blip r:embed="rId2">
+            <a:extLst>
+              <a:ext uri="{28A0092B-C50C-407E-A947-70E740481C1C}">
+                <a14:useLocalDpi xmlns:a14="http://schemas.microsoft.com/office/drawing/2010/main" val="0"/>
+              </a:ext>
+            </a:extLst>
+          </a:blip>
+          <a:stretch>
+            <a:fillRect/>
+          </a:stretch>
+        </p:blipFill>
+        <p:spPr bwMode="auto">
+          <a:xfrm>
+            <a:off x="643467" y="1443480"/>
+            <a:ext cx="5294716" cy="3971037"/>
+          </a:xfrm>
+          <a:prstGeom prst="rect">
+            <a:avLst/>
+          </a:prstGeom>
+          <a:noFill/>
+          <a:extLst>
+            <a:ext uri="{909E8E84-426E-40DD-AFC4-6F175D3DCCD1}">
+              <a14:hiddenFill xmlns:a14="http://schemas.microsoft.com/office/drawing/2010/main">
+                <a:solidFill>
+                  <a:srgbClr val="FFFFFF"/>
+                </a:solidFill>
+              </a14:hiddenFill>
+            </a:ext>
+          </a:extLst>
+        </p:spPr>
+      </p:pic>
+      <p:cxnSp>
+        <p:nvCxnSpPr>
+          <p:cNvPr id="2061" name="Straight Connector 2060">
+            <a:extLst>
+              <a:ext uri="{FF2B5EF4-FFF2-40B4-BE49-F238E27FC236}">
+                <a16:creationId xmlns:a16="http://schemas.microsoft.com/office/drawing/2014/main" id="{8C730EAB-A532-4295-A302-FB4B90DB9F5E}"/>
+              </a:ext>
+              <a:ext uri="{C183D7F6-B498-43B3-948B-1728B52AA6E4}">
+                <adec:decorative xmlns:adec="http://schemas.microsoft.com/office/drawing/2017/decorative" val="1"/>
+              </a:ext>
+            </a:extLst>
+          </p:cNvPr>
+          <p:cNvCxnSpPr>
+            <a:cxnSpLocks noGrp="1" noRot="1" noChangeAspect="1" noMove="1" noResize="1" noEditPoints="1" noAdjustHandles="1" noChangeArrowheads="1" noChangeShapeType="1"/>
+          </p:cNvCxnSpPr>
+          <p:nvPr>
+            <p:extLst>
+              <p:ext uri="{386F3935-93C4-4BCD-93E2-E3B085C9AB24}">
+                <p16:designElem xmlns:p16="http://schemas.microsoft.com/office/powerpoint/2015/main" val="1"/>
+              </p:ext>
+            </p:extLst>
+          </p:nvPr>
+        </p:nvCxnSpPr>
+        <p:spPr>
+          <a:xfrm>
+            <a:off x="6079958" y="1143000"/>
+            <a:ext cx="0" cy="4572000"/>
+          </a:xfrm>
+          <a:prstGeom prst="line">
+            <a:avLst/>
+          </a:prstGeom>
+          <a:ln>
+            <a:solidFill>
+              <a:srgbClr val="4E4E4E"/>
+            </a:solidFill>
+          </a:ln>
+        </p:spPr>
+        <p:style>
+          <a:lnRef idx="1">
+            <a:schemeClr val="accent1"/>
+          </a:lnRef>
+          <a:fillRef idx="0">
+            <a:schemeClr val="accent1"/>
+          </a:fillRef>
+          <a:effectRef idx="0">
+            <a:schemeClr val="accent1"/>
+          </a:effectRef>
+          <a:fontRef idx="minor">
+            <a:schemeClr val="tx1"/>
+          </a:fontRef>
+        </p:style>
+      </p:cxnSp>
+      <p:pic>
+        <p:nvPicPr>
+          <p:cNvPr id="2050" name="Picture 2">
+            <a:extLst>
+              <a:ext uri="{FF2B5EF4-FFF2-40B4-BE49-F238E27FC236}">
+                <a16:creationId xmlns:a16="http://schemas.microsoft.com/office/drawing/2014/main" id="{C36CFF47-5C9F-B2EE-CE0E-A233E1721BAC}"/>
+              </a:ext>
+            </a:extLst>
+          </p:cNvPr>
+          <p:cNvPicPr>
+            <a:picLocks noChangeAspect="1" noChangeArrowheads="1"/>
+          </p:cNvPicPr>
+          <p:nvPr/>
+        </p:nvPicPr>
+        <p:blipFill>
+          <a:blip r:embed="rId3">
+            <a:extLst>
+              <a:ext uri="{28A0092B-C50C-407E-A947-70E740481C1C}">
+                <a14:useLocalDpi xmlns:a14="http://schemas.microsoft.com/office/drawing/2010/main" val="0"/>
+              </a:ext>
+            </a:extLst>
+          </a:blip>
+          <a:stretch>
+            <a:fillRect/>
+          </a:stretch>
+        </p:blipFill>
+        <p:spPr bwMode="auto">
+          <a:xfrm>
+            <a:off x="6253817" y="1443482"/>
+            <a:ext cx="5294715" cy="3971036"/>
+          </a:xfrm>
+          <a:prstGeom prst="rect">
+            <a:avLst/>
+          </a:prstGeom>
+          <a:noFill/>
+          <a:extLst>
+            <a:ext uri="{909E8E84-426E-40DD-AFC4-6F175D3DCCD1}">
+              <a14:hiddenFill xmlns:a14="http://schemas.microsoft.com/office/drawing/2010/main">
+                <a:solidFill>
+                  <a:srgbClr val="FFFFFF"/>
+                </a:solidFill>
+              </a14:hiddenFill>
+            </a:ext>
+          </a:extLst>
+        </p:spPr>
+      </p:pic>
+    </p:spTree>
+    <p:extLst>
+      <p:ext uri="{BB962C8B-B14F-4D97-AF65-F5344CB8AC3E}">
+        <p14:creationId xmlns:p14="http://schemas.microsoft.com/office/powerpoint/2010/main" val="3794432805"/>
+      </p:ext>
+    </p:extLst>
+  </p:cSld>
+  <p:clrMapOvr>
+    <a:masterClrMapping/>
+  </p:clrMapOvr>
+</p:sld>
+</file>
+
+<file path=ppt/slides/slide9.xml><?xml version="1.0" encoding="utf-8"?>
+<p:sld xmlns:a="http://schemas.openxmlformats.org/drawingml/2006/main" xmlns:r="http://schemas.openxmlformats.org/officeDocument/2006/relationships" xmlns:p="http://schemas.openxmlformats.org/presentationml/2006/main">
+  <p:cSld>
+    <p:bg>
+      <p:bgPr>
+        <a:solidFill>
+          <a:schemeClr val="bg1"/>
+        </a:solidFill>
+        <a:effectLst/>
+      </p:bgPr>
+    </p:bg>
+    <p:spTree>
+      <p:nvGrpSpPr>
+        <p:cNvPr id="1" name=""/>
+        <p:cNvGrpSpPr/>
+        <p:nvPr/>
+      </p:nvGrpSpPr>
+      <p:grpSpPr>
+        <a:xfrm>
+          <a:off x="0" y="0"/>
+          <a:ext cx="0" cy="0"/>
+          <a:chOff x="0" y="0"/>
+          <a:chExt cx="0" cy="0"/>
+        </a:xfrm>
+      </p:grpSpPr>
+      <p:pic>
+        <p:nvPicPr>
+          <p:cNvPr id="3076" name="Picture 4">
+            <a:extLst>
+              <a:ext uri="{FF2B5EF4-FFF2-40B4-BE49-F238E27FC236}">
+                <a16:creationId xmlns:a16="http://schemas.microsoft.com/office/drawing/2014/main" id="{7BEA5497-3BA3-C9F7-7CCF-2E1675D76EAD}"/>
+              </a:ext>
+            </a:extLst>
+          </p:cNvPr>
+          <p:cNvPicPr>
+            <a:picLocks noChangeAspect="1" noChangeArrowheads="1"/>
+          </p:cNvPicPr>
+          <p:nvPr/>
+        </p:nvPicPr>
+        <p:blipFill>
+          <a:blip r:embed="rId2">
+            <a:extLst>
+              <a:ext uri="{28A0092B-C50C-407E-A947-70E740481C1C}">
+                <a14:useLocalDpi xmlns:a14="http://schemas.microsoft.com/office/drawing/2010/main" val="0"/>
+              </a:ext>
+            </a:extLst>
+          </a:blip>
+          <a:stretch>
+            <a:fillRect/>
+          </a:stretch>
+        </p:blipFill>
+        <p:spPr bwMode="auto">
+          <a:xfrm>
+            <a:off x="643467" y="1444625"/>
+            <a:ext cx="5291666" cy="3968749"/>
+          </a:xfrm>
+          <a:prstGeom prst="rect">
+            <a:avLst/>
+          </a:prstGeom>
+          <a:noFill/>
+          <a:extLst>
+            <a:ext uri="{909E8E84-426E-40DD-AFC4-6F175D3DCCD1}">
+              <a14:hiddenFill xmlns:a14="http://schemas.microsoft.com/office/drawing/2010/main">
+                <a:solidFill>
+                  <a:srgbClr val="FFFFFF"/>
+                </a:solidFill>
+              </a14:hiddenFill>
+            </a:ext>
+          </a:extLst>
+        </p:spPr>
+      </p:pic>
+      <p:pic>
+        <p:nvPicPr>
+          <p:cNvPr id="3074" name="Picture 2">
+            <a:extLst>
+              <a:ext uri="{FF2B5EF4-FFF2-40B4-BE49-F238E27FC236}">
+                <a16:creationId xmlns:a16="http://schemas.microsoft.com/office/drawing/2014/main" id="{48BC0801-3CA7-21FA-3A06-1529E47694B6}"/>
+              </a:ext>
+            </a:extLst>
+          </p:cNvPr>
+          <p:cNvPicPr>
+            <a:picLocks noChangeAspect="1" noChangeArrowheads="1"/>
+          </p:cNvPicPr>
+          <p:nvPr/>
+        </p:nvPicPr>
+        <p:blipFill>
+          <a:blip r:embed="rId3">
+            <a:extLst>
+              <a:ext uri="{28A0092B-C50C-407E-A947-70E740481C1C}">
+                <a14:useLocalDpi xmlns:a14="http://schemas.microsoft.com/office/drawing/2010/main" val="0"/>
+              </a:ext>
+            </a:extLst>
+          </a:blip>
+          <a:stretch>
+            <a:fillRect/>
+          </a:stretch>
+        </p:blipFill>
+        <p:spPr bwMode="auto">
+          <a:xfrm>
+            <a:off x="6256865" y="1444625"/>
+            <a:ext cx="5291667" cy="3968750"/>
+          </a:xfrm>
+          <a:prstGeom prst="rect">
+            <a:avLst/>
+          </a:prstGeom>
+          <a:noFill/>
+          <a:extLst>
+            <a:ext uri="{909E8E84-426E-40DD-AFC4-6F175D3DCCD1}">
+              <a14:hiddenFill xmlns:a14="http://schemas.microsoft.com/office/drawing/2010/main">
+                <a:solidFill>
+                  <a:srgbClr val="FFFFFF"/>
+                </a:solidFill>
+              </a14:hiddenFill>
+            </a:ext>
+          </a:extLst>
+        </p:spPr>
+      </p:pic>
+      <p:sp>
+        <p:nvSpPr>
+          <p:cNvPr id="2" name="TextBox 1">
+            <a:extLst>
+              <a:ext uri="{FF2B5EF4-FFF2-40B4-BE49-F238E27FC236}">
+                <a16:creationId xmlns:a16="http://schemas.microsoft.com/office/drawing/2014/main" id="{B460E6E8-FE3E-16D7-400E-B7AB0D96DE77}"/>
+              </a:ext>
+            </a:extLst>
+          </p:cNvPr>
+          <p:cNvSpPr txBox="1"/>
+          <p:nvPr/>
+        </p:nvSpPr>
+        <p:spPr>
+          <a:xfrm>
+            <a:off x="1371600" y="609600"/>
+            <a:ext cx="5124450" cy="369332"/>
+          </a:xfrm>
+          <a:prstGeom prst="rect">
+            <a:avLst/>
+          </a:prstGeom>
+          <a:noFill/>
+        </p:spPr>
+        <p:txBody>
+          <a:bodyPr wrap="square" rtlCol="0">
+            <a:spAutoFit/>
+          </a:bodyPr>
+          <a:lstStyle/>
+          <a:p>
+            <a:r>
+              <a:rPr lang="en-US" dirty="0"/>
+              <a:t>High Gama value/Low Gamma value</a:t>
+            </a:r>
+          </a:p>
+        </p:txBody>
+      </p:sp>
+    </p:spTree>
+    <p:extLst>
+      <p:ext uri="{BB962C8B-B14F-4D97-AF65-F5344CB8AC3E}">
+        <p14:creationId xmlns:p14="http://schemas.microsoft.com/office/powerpoint/2010/main" val="2746038284"/>
+      </p:ext>
+    </p:extLst>
+  </p:cSld>
+  <p:clrMapOvr>
+    <a:masterClrMapping/>
+  </p:clrMapOvr>
+</p:sld>
+</file>
+
 <file path=ppt/theme/theme1.xml><?xml version="1.0" encoding="utf-8"?>
 <a:theme xmlns:a="http://schemas.openxmlformats.org/drawingml/2006/main" name="Office Theme">
   <a:themeElements>
